--- a/Clay/Novel_Corona_Virus_2019_v3.pptx
+++ b/Clay/Novel_Corona_Virus_2019_v3.pptx
@@ -34,9 +34,9 @@
     <p:sldId id="282" r:id="rId22"/>
     <p:sldId id="278" r:id="rId23"/>
     <p:sldId id="283" r:id="rId24"/>
-    <p:sldId id="281" r:id="rId25"/>
-    <p:sldId id="279" r:id="rId26"/>
-    <p:sldId id="280" r:id="rId27"/>
+    <p:sldId id="279" r:id="rId25"/>
+    <p:sldId id="280" r:id="rId26"/>
+    <p:sldId id="281" r:id="rId27"/>
     <p:sldId id="284" r:id="rId28"/>
     <p:sldId id="288" r:id="rId29"/>
   </p:sldIdLst>
@@ -8840,7 +8840,7 @@
             <a:pPr lvl="1"/>
             <a:r>
               <a:rPr lang="en-US" dirty="0"/>
-              <a:t>High variation of data range</a:t>
+              <a:t>High variation in data ranges</a:t>
             </a:r>
           </a:p>
           <a:p>
@@ -8871,7 +8871,14 @@
             <a:pPr lvl="1"/>
             <a:r>
               <a:rPr lang="en-US" dirty="0"/>
-              <a:t>Country name and reporting method</a:t>
+              <a:t>Country names between data sources</a:t>
+            </a:r>
+          </a:p>
+          <a:p>
+            <a:pPr lvl="1"/>
+            <a:r>
+              <a:rPr lang="en-US" dirty="0"/>
+              <a:t>Reporting granularity</a:t>
             </a:r>
           </a:p>
           <a:p>
@@ -10140,219 +10147,6 @@
           <p:cNvPr id="8" name="Picture 7">
             <a:extLst>
               <a:ext uri="{FF2B5EF4-FFF2-40B4-BE49-F238E27FC236}">
-                <a16:creationId xmlns:a16="http://schemas.microsoft.com/office/drawing/2014/main" id="{86F8E737-EF8A-4DEF-B88A-97B51772AF4B}"/>
-              </a:ext>
-            </a:extLst>
-          </p:cNvPr>
-          <p:cNvPicPr>
-            <a:picLocks noChangeAspect="1"/>
-          </p:cNvPicPr>
-          <p:nvPr/>
-        </p:nvPicPr>
-        <p:blipFill>
-          <a:blip r:embed="rId2">
-            <a:extLst>
-              <a:ext uri="{28A0092B-C50C-407E-A947-70E740481C1C}">
-                <a14:useLocalDpi xmlns:a14="http://schemas.microsoft.com/office/drawing/2010/main" val="0"/>
-              </a:ext>
-            </a:extLst>
-          </a:blip>
-          <a:stretch>
-            <a:fillRect/>
-          </a:stretch>
-        </p:blipFill>
-        <p:spPr>
-          <a:xfrm>
-            <a:off x="1949450" y="1764507"/>
-            <a:ext cx="8293100" cy="4197350"/>
-          </a:xfrm>
-          <a:prstGeom prst="rect">
-            <a:avLst/>
-          </a:prstGeom>
-        </p:spPr>
-      </p:pic>
-    </p:spTree>
-    <p:extLst>
-      <p:ext uri="{BB962C8B-B14F-4D97-AF65-F5344CB8AC3E}">
-        <p14:creationId xmlns:p14="http://schemas.microsoft.com/office/powerpoint/2010/main" val="3115977658"/>
-      </p:ext>
-    </p:extLst>
-  </p:cSld>
-  <p:clrMapOvr>
-    <a:masterClrMapping/>
-  </p:clrMapOvr>
-</p:sld>
-</file>
-
-<file path=ppt/slides/slide25.xml><?xml version="1.0" encoding="utf-8"?>
-<p:sld xmlns:a="http://schemas.openxmlformats.org/drawingml/2006/main" xmlns:r="http://schemas.openxmlformats.org/officeDocument/2006/relationships" xmlns:p="http://schemas.openxmlformats.org/presentationml/2006/main">
-  <p:cSld>
-    <p:spTree>
-      <p:nvGrpSpPr>
-        <p:cNvPr id="1" name=""/>
-        <p:cNvGrpSpPr/>
-        <p:nvPr/>
-      </p:nvGrpSpPr>
-      <p:grpSpPr>
-        <a:xfrm>
-          <a:off x="0" y="0"/>
-          <a:ext cx="0" cy="0"/>
-          <a:chOff x="0" y="0"/>
-          <a:chExt cx="0" cy="0"/>
-        </a:xfrm>
-      </p:grpSpPr>
-      <p:sp>
-        <p:nvSpPr>
-          <p:cNvPr id="2" name="Date Placeholder 1">
-            <a:extLst>
-              <a:ext uri="{FF2B5EF4-FFF2-40B4-BE49-F238E27FC236}">
-                <a16:creationId xmlns:a16="http://schemas.microsoft.com/office/drawing/2014/main" id="{B0C0C692-039F-4AF9-932D-C2121AB1397E}"/>
-              </a:ext>
-            </a:extLst>
-          </p:cNvPr>
-          <p:cNvSpPr>
-            <a:spLocks noGrp="1"/>
-          </p:cNvSpPr>
-          <p:nvPr>
-            <p:ph type="dt" sz="half" idx="10"/>
-          </p:nvPr>
-        </p:nvSpPr>
-        <p:spPr/>
-        <p:txBody>
-          <a:bodyPr/>
-          <a:lstStyle/>
-          <a:p>
-            <a:r>
-              <a:rPr lang="en-US"/>
-              <a:t>6/9/2021</a:t>
-            </a:r>
-          </a:p>
-        </p:txBody>
-      </p:sp>
-      <p:sp>
-        <p:nvSpPr>
-          <p:cNvPr id="3" name="Footer Placeholder 2">
-            <a:extLst>
-              <a:ext uri="{FF2B5EF4-FFF2-40B4-BE49-F238E27FC236}">
-                <a16:creationId xmlns:a16="http://schemas.microsoft.com/office/drawing/2014/main" id="{F2CD27C1-7976-4B31-B2A0-90A27DDEAB51}"/>
-              </a:ext>
-            </a:extLst>
-          </p:cNvPr>
-          <p:cNvSpPr>
-            <a:spLocks noGrp="1"/>
-          </p:cNvSpPr>
-          <p:nvPr>
-            <p:ph type="ftr" sz="quarter" idx="11"/>
-          </p:nvPr>
-        </p:nvSpPr>
-        <p:spPr/>
-        <p:txBody>
-          <a:bodyPr/>
-          <a:lstStyle/>
-          <a:p>
-            <a:r>
-              <a:rPr lang="en-US"/>
-              <a:t>https://github.com/makbarish/Grp5_Project1_Covid19</a:t>
-            </a:r>
-          </a:p>
-        </p:txBody>
-      </p:sp>
-      <p:sp>
-        <p:nvSpPr>
-          <p:cNvPr id="4" name="Slide Number Placeholder 3">
-            <a:extLst>
-              <a:ext uri="{FF2B5EF4-FFF2-40B4-BE49-F238E27FC236}">
-                <a16:creationId xmlns:a16="http://schemas.microsoft.com/office/drawing/2014/main" id="{4F42A78F-B7B9-4CCE-B558-E20C83AAA7B3}"/>
-              </a:ext>
-            </a:extLst>
-          </p:cNvPr>
-          <p:cNvSpPr>
-            <a:spLocks noGrp="1"/>
-          </p:cNvSpPr>
-          <p:nvPr>
-            <p:ph type="sldNum" sz="quarter" idx="12"/>
-          </p:nvPr>
-        </p:nvSpPr>
-        <p:spPr/>
-        <p:txBody>
-          <a:bodyPr/>
-          <a:lstStyle/>
-          <a:p>
-            <a:fld id="{3AA9003C-6A8E-4863-AB7A-EC3E1B799067}" type="slidenum">
-              <a:rPr lang="en-US" smtClean="0"/>
-              <a:t>25</a:t>
-            </a:fld>
-            <a:endParaRPr lang="en-US"/>
-          </a:p>
-        </p:txBody>
-      </p:sp>
-      <p:sp>
-        <p:nvSpPr>
-          <p:cNvPr id="6" name="Title 3">
-            <a:extLst>
-              <a:ext uri="{FF2B5EF4-FFF2-40B4-BE49-F238E27FC236}">
-                <a16:creationId xmlns:a16="http://schemas.microsoft.com/office/drawing/2014/main" id="{80154D68-1102-41FD-8321-84EFF244C96B}"/>
-              </a:ext>
-            </a:extLst>
-          </p:cNvPr>
-          <p:cNvSpPr txBox="1">
-            <a:spLocks/>
-          </p:cNvSpPr>
-          <p:nvPr/>
-        </p:nvSpPr>
-        <p:spPr>
-          <a:xfrm>
-            <a:off x="1152525" y="409575"/>
-            <a:ext cx="9886950" cy="1354932"/>
-          </a:xfrm>
-          <a:prstGeom prst="rect">
-            <a:avLst/>
-          </a:prstGeom>
-        </p:spPr>
-        <p:txBody>
-          <a:bodyPr>
-            <a:noAutofit/>
-          </a:bodyPr>
-          <a:lstStyle>
-            <a:lvl1pPr algn="l" defTabSz="914400" rtl="0" eaLnBrk="1" latinLnBrk="0" hangingPunct="1">
-              <a:lnSpc>
-                <a:spcPct val="90000"/>
-              </a:lnSpc>
-              <a:spcBef>
-                <a:spcPct val="0"/>
-              </a:spcBef>
-              <a:buNone/>
-              <a:defRPr sz="4400" kern="1200">
-                <a:solidFill>
-                  <a:schemeClr val="tx1"/>
-                </a:solidFill>
-                <a:latin typeface="+mj-lt"/>
-                <a:ea typeface="+mj-ea"/>
-                <a:cs typeface="+mj-cs"/>
-              </a:defRPr>
-            </a:lvl1pPr>
-          </a:lstStyle>
-          <a:p>
-            <a:pPr algn="ctr"/>
-            <a:r>
-              <a:rPr lang="en-US" b="1" dirty="0"/>
-              <a:t>Novel Corona Virus 2019</a:t>
-            </a:r>
-            <a:br>
-              <a:rPr lang="en-US" dirty="0"/>
-            </a:br>
-            <a:r>
-              <a:rPr lang="en-US" sz="2800" b="1" dirty="0"/>
-              <a:t>Class Project 1 – Group 5</a:t>
-            </a:r>
-          </a:p>
-        </p:txBody>
-      </p:sp>
-      <p:pic>
-        <p:nvPicPr>
-          <p:cNvPr id="8" name="Picture 7">
-            <a:extLst>
-              <a:ext uri="{FF2B5EF4-FFF2-40B4-BE49-F238E27FC236}">
                 <a16:creationId xmlns:a16="http://schemas.microsoft.com/office/drawing/2014/main" id="{E8F25FAC-532B-47C4-A2E6-3D8F27F551AA}"/>
               </a:ext>
             </a:extLst>
@@ -10396,7 +10190,7 @@
 </p:sld>
 </file>
 
-<file path=ppt/slides/slide26.xml><?xml version="1.0" encoding="utf-8"?>
+<file path=ppt/slides/slide25.xml><?xml version="1.0" encoding="utf-8"?>
 <p:sld xmlns:a="http://schemas.openxmlformats.org/drawingml/2006/main" xmlns:r="http://schemas.openxmlformats.org/officeDocument/2006/relationships" xmlns:p="http://schemas.openxmlformats.org/presentationml/2006/main">
   <p:cSld>
     <p:spTree>
@@ -10492,7 +10286,7 @@
           <a:p>
             <a:fld id="{3AA9003C-6A8E-4863-AB7A-EC3E1B799067}" type="slidenum">
               <a:rPr lang="en-US" smtClean="0"/>
-              <a:t>26</a:t>
+              <a:t>25</a:t>
             </a:fld>
             <a:endParaRPr lang="en-US"/>
           </a:p>
@@ -10600,6 +10394,219 @@
     <p:extLst>
       <p:ext uri="{BB962C8B-B14F-4D97-AF65-F5344CB8AC3E}">
         <p14:creationId xmlns:p14="http://schemas.microsoft.com/office/powerpoint/2010/main" val="3176635497"/>
+      </p:ext>
+    </p:extLst>
+  </p:cSld>
+  <p:clrMapOvr>
+    <a:masterClrMapping/>
+  </p:clrMapOvr>
+</p:sld>
+</file>
+
+<file path=ppt/slides/slide26.xml><?xml version="1.0" encoding="utf-8"?>
+<p:sld xmlns:a="http://schemas.openxmlformats.org/drawingml/2006/main" xmlns:r="http://schemas.openxmlformats.org/officeDocument/2006/relationships" xmlns:p="http://schemas.openxmlformats.org/presentationml/2006/main">
+  <p:cSld>
+    <p:spTree>
+      <p:nvGrpSpPr>
+        <p:cNvPr id="1" name=""/>
+        <p:cNvGrpSpPr/>
+        <p:nvPr/>
+      </p:nvGrpSpPr>
+      <p:grpSpPr>
+        <a:xfrm>
+          <a:off x="0" y="0"/>
+          <a:ext cx="0" cy="0"/>
+          <a:chOff x="0" y="0"/>
+          <a:chExt cx="0" cy="0"/>
+        </a:xfrm>
+      </p:grpSpPr>
+      <p:sp>
+        <p:nvSpPr>
+          <p:cNvPr id="2" name="Date Placeholder 1">
+            <a:extLst>
+              <a:ext uri="{FF2B5EF4-FFF2-40B4-BE49-F238E27FC236}">
+                <a16:creationId xmlns:a16="http://schemas.microsoft.com/office/drawing/2014/main" id="{B0C0C692-039F-4AF9-932D-C2121AB1397E}"/>
+              </a:ext>
+            </a:extLst>
+          </p:cNvPr>
+          <p:cNvSpPr>
+            <a:spLocks noGrp="1"/>
+          </p:cNvSpPr>
+          <p:nvPr>
+            <p:ph type="dt" sz="half" idx="10"/>
+          </p:nvPr>
+        </p:nvSpPr>
+        <p:spPr/>
+        <p:txBody>
+          <a:bodyPr/>
+          <a:lstStyle/>
+          <a:p>
+            <a:r>
+              <a:rPr lang="en-US"/>
+              <a:t>6/9/2021</a:t>
+            </a:r>
+          </a:p>
+        </p:txBody>
+      </p:sp>
+      <p:sp>
+        <p:nvSpPr>
+          <p:cNvPr id="3" name="Footer Placeholder 2">
+            <a:extLst>
+              <a:ext uri="{FF2B5EF4-FFF2-40B4-BE49-F238E27FC236}">
+                <a16:creationId xmlns:a16="http://schemas.microsoft.com/office/drawing/2014/main" id="{F2CD27C1-7976-4B31-B2A0-90A27DDEAB51}"/>
+              </a:ext>
+            </a:extLst>
+          </p:cNvPr>
+          <p:cNvSpPr>
+            <a:spLocks noGrp="1"/>
+          </p:cNvSpPr>
+          <p:nvPr>
+            <p:ph type="ftr" sz="quarter" idx="11"/>
+          </p:nvPr>
+        </p:nvSpPr>
+        <p:spPr/>
+        <p:txBody>
+          <a:bodyPr/>
+          <a:lstStyle/>
+          <a:p>
+            <a:r>
+              <a:rPr lang="en-US"/>
+              <a:t>https://github.com/makbarish/Grp5_Project1_Covid19</a:t>
+            </a:r>
+          </a:p>
+        </p:txBody>
+      </p:sp>
+      <p:sp>
+        <p:nvSpPr>
+          <p:cNvPr id="4" name="Slide Number Placeholder 3">
+            <a:extLst>
+              <a:ext uri="{FF2B5EF4-FFF2-40B4-BE49-F238E27FC236}">
+                <a16:creationId xmlns:a16="http://schemas.microsoft.com/office/drawing/2014/main" id="{4F42A78F-B7B9-4CCE-B558-E20C83AAA7B3}"/>
+              </a:ext>
+            </a:extLst>
+          </p:cNvPr>
+          <p:cNvSpPr>
+            <a:spLocks noGrp="1"/>
+          </p:cNvSpPr>
+          <p:nvPr>
+            <p:ph type="sldNum" sz="quarter" idx="12"/>
+          </p:nvPr>
+        </p:nvSpPr>
+        <p:spPr/>
+        <p:txBody>
+          <a:bodyPr/>
+          <a:lstStyle/>
+          <a:p>
+            <a:fld id="{3AA9003C-6A8E-4863-AB7A-EC3E1B799067}" type="slidenum">
+              <a:rPr lang="en-US" smtClean="0"/>
+              <a:t>26</a:t>
+            </a:fld>
+            <a:endParaRPr lang="en-US"/>
+          </a:p>
+        </p:txBody>
+      </p:sp>
+      <p:sp>
+        <p:nvSpPr>
+          <p:cNvPr id="6" name="Title 3">
+            <a:extLst>
+              <a:ext uri="{FF2B5EF4-FFF2-40B4-BE49-F238E27FC236}">
+                <a16:creationId xmlns:a16="http://schemas.microsoft.com/office/drawing/2014/main" id="{80154D68-1102-41FD-8321-84EFF244C96B}"/>
+              </a:ext>
+            </a:extLst>
+          </p:cNvPr>
+          <p:cNvSpPr txBox="1">
+            <a:spLocks/>
+          </p:cNvSpPr>
+          <p:nvPr/>
+        </p:nvSpPr>
+        <p:spPr>
+          <a:xfrm>
+            <a:off x="1152525" y="409575"/>
+            <a:ext cx="9886950" cy="1354932"/>
+          </a:xfrm>
+          <a:prstGeom prst="rect">
+            <a:avLst/>
+          </a:prstGeom>
+        </p:spPr>
+        <p:txBody>
+          <a:bodyPr>
+            <a:noAutofit/>
+          </a:bodyPr>
+          <a:lstStyle>
+            <a:lvl1pPr algn="l" defTabSz="914400" rtl="0" eaLnBrk="1" latinLnBrk="0" hangingPunct="1">
+              <a:lnSpc>
+                <a:spcPct val="90000"/>
+              </a:lnSpc>
+              <a:spcBef>
+                <a:spcPct val="0"/>
+              </a:spcBef>
+              <a:buNone/>
+              <a:defRPr sz="4400" kern="1200">
+                <a:solidFill>
+                  <a:schemeClr val="tx1"/>
+                </a:solidFill>
+                <a:latin typeface="+mj-lt"/>
+                <a:ea typeface="+mj-ea"/>
+                <a:cs typeface="+mj-cs"/>
+              </a:defRPr>
+            </a:lvl1pPr>
+          </a:lstStyle>
+          <a:p>
+            <a:pPr algn="ctr"/>
+            <a:r>
+              <a:rPr lang="en-US" b="1" dirty="0"/>
+              <a:t>Novel Corona Virus 2019</a:t>
+            </a:r>
+            <a:br>
+              <a:rPr lang="en-US" dirty="0"/>
+            </a:br>
+            <a:r>
+              <a:rPr lang="en-US" sz="2800" b="1" dirty="0"/>
+              <a:t>Class Project 1 – Group 5</a:t>
+            </a:r>
+          </a:p>
+        </p:txBody>
+      </p:sp>
+      <p:pic>
+        <p:nvPicPr>
+          <p:cNvPr id="8" name="Picture 7">
+            <a:extLst>
+              <a:ext uri="{FF2B5EF4-FFF2-40B4-BE49-F238E27FC236}">
+                <a16:creationId xmlns:a16="http://schemas.microsoft.com/office/drawing/2014/main" id="{86F8E737-EF8A-4DEF-B88A-97B51772AF4B}"/>
+              </a:ext>
+            </a:extLst>
+          </p:cNvPr>
+          <p:cNvPicPr>
+            <a:picLocks noChangeAspect="1"/>
+          </p:cNvPicPr>
+          <p:nvPr/>
+        </p:nvPicPr>
+        <p:blipFill>
+          <a:blip r:embed="rId2">
+            <a:extLst>
+              <a:ext uri="{28A0092B-C50C-407E-A947-70E740481C1C}">
+                <a14:useLocalDpi xmlns:a14="http://schemas.microsoft.com/office/drawing/2010/main" val="0"/>
+              </a:ext>
+            </a:extLst>
+          </a:blip>
+          <a:stretch>
+            <a:fillRect/>
+          </a:stretch>
+        </p:blipFill>
+        <p:spPr>
+          <a:xfrm>
+            <a:off x="1949450" y="1764507"/>
+            <a:ext cx="8293100" cy="4197350"/>
+          </a:xfrm>
+          <a:prstGeom prst="rect">
+            <a:avLst/>
+          </a:prstGeom>
+        </p:spPr>
+      </p:pic>
+    </p:spTree>
+    <p:extLst>
+      <p:ext uri="{BB962C8B-B14F-4D97-AF65-F5344CB8AC3E}">
+        <p14:creationId xmlns:p14="http://schemas.microsoft.com/office/powerpoint/2010/main" val="3115977658"/>
       </p:ext>
     </p:extLst>
   </p:cSld>
@@ -10993,7 +11000,7 @@
         <p:spPr>
           <a:xfrm>
             <a:off x="516360" y="1815589"/>
-            <a:ext cx="9886950" cy="722939"/>
+            <a:ext cx="9886950" cy="1707787"/>
           </a:xfrm>
           <a:prstGeom prst="rect">
             <a:avLst/>
@@ -11029,7 +11036,7 @@
             </a:pPr>
             <a:r>
               <a:rPr lang="en-US" sz="2400" dirty="0"/>
-              <a:t>Update …</a:t>
+              <a:t>Use updated data reports</a:t>
             </a:r>
           </a:p>
           <a:p>
@@ -11038,9 +11045,40 @@
               <a:buChar char="•"/>
             </a:pPr>
             <a:r>
+              <a:rPr lang="en-US" sz="2400" dirty="0"/>
+              <a:t>Further cleanup of country names</a:t>
+            </a:r>
+          </a:p>
+          <a:p>
+            <a:pPr marL="342900" indent="-342900">
+              <a:buFont typeface="Arial" panose="020B0604020202020204" pitchFamily="34" charset="0"/>
+              <a:buChar char="•"/>
+            </a:pPr>
+            <a:r>
+              <a:rPr lang="en-US" sz="2400" dirty="0"/>
+              <a:t>Segregate non-reporting or limited reporting countries</a:t>
+            </a:r>
+          </a:p>
+          <a:p>
+            <a:pPr marL="342900" indent="-342900">
+              <a:buFont typeface="Arial" panose="020B0604020202020204" pitchFamily="34" charset="0"/>
+              <a:buChar char="•"/>
+            </a:pPr>
+            <a:r>
               <a:rPr lang="en-US" sz="2400"/>
-              <a:t>…</a:t>
-            </a:r>
+              <a:t>…………</a:t>
+            </a:r>
+            <a:endParaRPr lang="en-US" sz="2400" dirty="0"/>
+          </a:p>
+          <a:p>
+            <a:pPr marL="342900" indent="-342900">
+              <a:buFont typeface="Arial" panose="020B0604020202020204" pitchFamily="34" charset="0"/>
+              <a:buChar char="•"/>
+            </a:pPr>
+            <a:endParaRPr lang="en-US" sz="2400" dirty="0"/>
+          </a:p>
+          <a:p>
+            <a:endParaRPr lang="en-US" sz="2400" dirty="0"/>
           </a:p>
           <a:p>
             <a:pPr marL="342900" indent="-342900">
@@ -11139,7 +11177,7 @@
         <p:spPr>
           <a:xfrm>
             <a:off x="838200" y="1153287"/>
-            <a:ext cx="10515600" cy="4401205"/>
+            <a:ext cx="10515600" cy="5016758"/>
           </a:xfrm>
           <a:prstGeom prst="rect">
             <a:avLst/>
@@ -11163,7 +11201,16 @@
           <a:p>
             <a:r>
               <a:rPr lang="en-US" sz="2000" dirty="0"/>
-              <a:t>Were the questions answered to the team's satisfaction?  The team was able to successfully locate the data sources for Covid 19 Cases, Covid 19 Vaccinations, World Population, and GDP it believed would to be reasonably sufficient toward answering the teams' questions.  </a:t>
+              <a:t>Were the questions answered to the team's satisfaction?  </a:t>
+            </a:r>
+          </a:p>
+          <a:p>
+            <a:endParaRPr lang="en-US" sz="2000" dirty="0"/>
+          </a:p>
+          <a:p>
+            <a:r>
+              <a:rPr lang="en-US" sz="2000" dirty="0"/>
+              <a:t>The team was able to successfully locate the data sources for Covid 19 Cases, Covid 19 Vaccinations, World Population, and GDP it believed would to be reasonably sufficient toward answering the teams' questions.  </a:t>
             </a:r>
           </a:p>
           <a:p>
@@ -11490,7 +11537,7 @@
           <a:p>
             <a:r>
               <a:rPr lang="en-US" sz="1400" dirty="0"/>
-              <a:t>Optional data,  not used in analysis:</a:t>
+              <a:t>Optional data,  not directly  used in analysis:</a:t>
             </a:r>
           </a:p>
           <a:p>

--- a/Clay/Novel_Corona_Virus_2019_v3.pptx
+++ b/Clay/Novel_Corona_Virus_2019_v3.pptx
@@ -10829,6 +10829,14 @@
 <file path=ppt/slides/slide28.xml><?xml version="1.0" encoding="utf-8"?>
 <p:sld xmlns:a="http://schemas.openxmlformats.org/drawingml/2006/main" xmlns:r="http://schemas.openxmlformats.org/officeDocument/2006/relationships" xmlns:p="http://schemas.openxmlformats.org/presentationml/2006/main">
   <p:cSld>
+    <p:bg>
+      <p:bgPr>
+        <a:solidFill>
+          <a:schemeClr val="bg1"/>
+        </a:solidFill>
+        <a:effectLst/>
+      </p:bgPr>
+    </p:bg>
     <p:spTree>
       <p:nvGrpSpPr>
         <p:cNvPr id="1" name=""/>
@@ -10843,87 +10851,62 @@
           <a:chExt cx="0" cy="0"/>
         </a:xfrm>
       </p:grpSpPr>
-      <p:sp>
-        <p:nvSpPr>
-          <p:cNvPr id="2" name="Date Placeholder 1">
-            <a:extLst>
-              <a:ext uri="{FF2B5EF4-FFF2-40B4-BE49-F238E27FC236}">
-                <a16:creationId xmlns:a16="http://schemas.microsoft.com/office/drawing/2014/main" id="{CE5DB7E6-95CC-4B40-B5A1-52F98B971718}"/>
-              </a:ext>
-            </a:extLst>
-          </p:cNvPr>
-          <p:cNvSpPr>
-            <a:spLocks noGrp="1"/>
-          </p:cNvSpPr>
-          <p:nvPr>
-            <p:ph type="dt" sz="half" idx="10"/>
-          </p:nvPr>
-        </p:nvSpPr>
-        <p:spPr/>
-        <p:txBody>
-          <a:bodyPr/>
-          <a:lstStyle/>
-          <a:p>
-            <a:r>
-              <a:rPr lang="en-US"/>
-              <a:t>6/9/2021</a:t>
-            </a:r>
-          </a:p>
-        </p:txBody>
-      </p:sp>
-      <p:sp>
-        <p:nvSpPr>
-          <p:cNvPr id="3" name="Footer Placeholder 2">
-            <a:extLst>
-              <a:ext uri="{FF2B5EF4-FFF2-40B4-BE49-F238E27FC236}">
-                <a16:creationId xmlns:a16="http://schemas.microsoft.com/office/drawing/2014/main" id="{F9C71061-44F4-4298-A2F1-DB7F955F92C4}"/>
-              </a:ext>
-            </a:extLst>
-          </p:cNvPr>
-          <p:cNvSpPr>
-            <a:spLocks noGrp="1"/>
-          </p:cNvSpPr>
-          <p:nvPr>
-            <p:ph type="ftr" sz="quarter" idx="11"/>
-          </p:nvPr>
-        </p:nvSpPr>
-        <p:spPr/>
-        <p:txBody>
-          <a:bodyPr/>
-          <a:lstStyle/>
-          <a:p>
-            <a:r>
-              <a:rPr lang="en-US"/>
-              <a:t>https://github.com/makbarish/Grp5_Project1_Covid19</a:t>
-            </a:r>
-          </a:p>
-        </p:txBody>
-      </p:sp>
-      <p:sp>
-        <p:nvSpPr>
-          <p:cNvPr id="4" name="Slide Number Placeholder 3">
-            <a:extLst>
-              <a:ext uri="{FF2B5EF4-FFF2-40B4-BE49-F238E27FC236}">
-                <a16:creationId xmlns:a16="http://schemas.microsoft.com/office/drawing/2014/main" id="{6417783F-0E52-48D5-AAC7-F8904842DBBC}"/>
-              </a:ext>
-            </a:extLst>
-          </p:cNvPr>
-          <p:cNvSpPr>
-            <a:spLocks noGrp="1"/>
-          </p:cNvSpPr>
-          <p:nvPr>
-            <p:ph type="sldNum" sz="quarter" idx="12"/>
-          </p:nvPr>
-        </p:nvSpPr>
-        <p:spPr/>
-        <p:txBody>
-          <a:bodyPr/>
-          <a:lstStyle/>
-          <a:p>
-            <a:fld id="{3AA9003C-6A8E-4863-AB7A-EC3E1B799067}" type="slidenum">
-              <a:rPr lang="en-US" smtClean="0"/>
-              <a:t>28</a:t>
-            </a:fld>
+      <p:sp useBgFill="1">
+        <p:nvSpPr>
+          <p:cNvPr id="13" name="Rectangle 12">
+            <a:extLst>
+              <a:ext uri="{FF2B5EF4-FFF2-40B4-BE49-F238E27FC236}">
+                <a16:creationId xmlns:a16="http://schemas.microsoft.com/office/drawing/2014/main" id="{2C61293E-6EBE-43EF-A52C-9BEBFD7679D4}"/>
+              </a:ext>
+              <a:ext uri="{C183D7F6-B498-43B3-948B-1728B52AA6E4}">
+                <adec:decorative xmlns:adec="http://schemas.microsoft.com/office/drawing/2017/decorative" val="1"/>
+              </a:ext>
+            </a:extLst>
+          </p:cNvPr>
+          <p:cNvSpPr>
+            <a:spLocks noGrp="1" noRot="1" noChangeAspect="1" noMove="1" noResize="1" noEditPoints="1" noAdjustHandles="1" noChangeArrowheads="1" noChangeShapeType="1" noTextEdit="1"/>
+          </p:cNvSpPr>
+          <p:nvPr>
+            <p:extLst>
+              <p:ext uri="{386F3935-93C4-4BCD-93E2-E3B085C9AB24}">
+                <p16:designElem xmlns:p16="http://schemas.microsoft.com/office/powerpoint/2015/main" val="1"/>
+              </p:ext>
+            </p:extLst>
+          </p:nvPr>
+        </p:nvSpPr>
+        <p:spPr>
+          <a:xfrm>
+            <a:off x="0" y="0"/>
+            <a:ext cx="12188952" cy="6858000"/>
+          </a:xfrm>
+          <a:prstGeom prst="rect">
+            <a:avLst/>
+          </a:prstGeom>
+          <a:ln>
+            <a:noFill/>
+          </a:ln>
+        </p:spPr>
+        <p:style>
+          <a:lnRef idx="2">
+            <a:schemeClr val="accent1">
+              <a:shade val="50000"/>
+            </a:schemeClr>
+          </a:lnRef>
+          <a:fillRef idx="1">
+            <a:schemeClr val="accent1"/>
+          </a:fillRef>
+          <a:effectRef idx="0">
+            <a:schemeClr val="accent1"/>
+          </a:effectRef>
+          <a:fontRef idx="minor">
+            <a:schemeClr val="lt1"/>
+          </a:fontRef>
+        </p:style>
+        <p:txBody>
+          <a:bodyPr rtlCol="0" anchor="ctr"/>
+          <a:lstStyle/>
+          <a:p>
+            <a:pPr algn="ctr"/>
             <a:endParaRPr lang="en-US"/>
           </a:p>
         </p:txBody>
@@ -10944,15 +10927,15 @@
         </p:nvSpPr>
         <p:spPr>
           <a:xfrm>
-            <a:off x="1026691" y="413230"/>
-            <a:ext cx="9886950" cy="722939"/>
+            <a:off x="2308010" y="198999"/>
+            <a:ext cx="7744968" cy="905256"/>
           </a:xfrm>
           <a:prstGeom prst="rect">
             <a:avLst/>
           </a:prstGeom>
         </p:spPr>
         <p:txBody>
-          <a:bodyPr>
+          <a:bodyPr vert="horz" lIns="91440" tIns="45720" rIns="91440" bIns="45720" rtlCol="0" anchor="b">
             <a:noAutofit/>
           </a:bodyPr>
           <a:lstStyle>
@@ -10975,11 +10958,499 @@
             </a:lvl1pPr>
           </a:lstStyle>
           <a:p>
+            <a:pPr algn="ctr">
+              <a:spcAft>
+                <a:spcPts val="600"/>
+              </a:spcAft>
+            </a:pPr>
+            <a:r>
+              <a:rPr lang="en-US" b="1" dirty="0"/>
+              <a:t>Questions &amp; Recommendations</a:t>
+            </a:r>
+          </a:p>
+        </p:txBody>
+      </p:sp>
+      <p:pic>
+        <p:nvPicPr>
+          <p:cNvPr id="8" name="Picture 7">
+            <a:extLst>
+              <a:ext uri="{FF2B5EF4-FFF2-40B4-BE49-F238E27FC236}">
+                <a16:creationId xmlns:a16="http://schemas.microsoft.com/office/drawing/2014/main" id="{6C862195-07AB-4C9C-ABE5-3ED79CD7588B}"/>
+              </a:ext>
+            </a:extLst>
+          </p:cNvPr>
+          <p:cNvPicPr>
+            <a:picLocks noChangeAspect="1"/>
+          </p:cNvPicPr>
+          <p:nvPr/>
+        </p:nvPicPr>
+        <p:blipFill rotWithShape="1">
+          <a:blip r:embed="rId2"/>
+          <a:srcRect r="3" b="1050"/>
+          <a:stretch/>
+        </p:blipFill>
+        <p:spPr>
+          <a:xfrm>
+            <a:off x="643128" y="1141249"/>
+            <a:ext cx="3428999" cy="5049239"/>
+          </a:xfrm>
+          <a:custGeom>
+            <a:avLst/>
+            <a:gdLst/>
+            <a:ahLst/>
+            <a:cxnLst/>
+            <a:rect l="l" t="t" r="r" b="b"/>
+            <a:pathLst>
+              <a:path w="4657344" h="6858000">
+                <a:moveTo>
+                  <a:pt x="0" y="0"/>
+                </a:moveTo>
+                <a:lnTo>
+                  <a:pt x="3429755" y="0"/>
+                </a:lnTo>
+                <a:lnTo>
+                  <a:pt x="3526016" y="148742"/>
+                </a:lnTo>
+                <a:cubicBezTo>
+                  <a:pt x="3657740" y="365513"/>
+                  <a:pt x="3777402" y="589569"/>
+                  <a:pt x="3886489" y="819975"/>
+                </a:cubicBezTo>
+                <a:cubicBezTo>
+                  <a:pt x="3891856" y="833492"/>
+                  <a:pt x="3900663" y="845393"/>
+                  <a:pt x="3912049" y="854514"/>
+                </a:cubicBezTo>
+                <a:cubicBezTo>
+                  <a:pt x="3897352" y="819849"/>
+                  <a:pt x="3883037" y="784928"/>
+                  <a:pt x="3868083" y="750263"/>
+                </a:cubicBezTo>
+                <a:cubicBezTo>
+                  <a:pt x="3806989" y="608712"/>
+                  <a:pt x="3742478" y="469145"/>
+                  <a:pt x="3674155" y="331786"/>
+                </a:cubicBezTo>
+                <a:lnTo>
+                  <a:pt x="3496656" y="0"/>
+                </a:lnTo>
+                <a:lnTo>
+                  <a:pt x="3554371" y="0"/>
+                </a:lnTo>
+                <a:lnTo>
+                  <a:pt x="3661621" y="196614"/>
+                </a:lnTo>
+                <a:cubicBezTo>
+                  <a:pt x="3856899" y="573253"/>
+                  <a:pt x="4021071" y="966066"/>
+                  <a:pt x="4161279" y="1371196"/>
+                </a:cubicBezTo>
+                <a:cubicBezTo>
+                  <a:pt x="4379525" y="2007265"/>
+                  <a:pt x="4530141" y="2664286"/>
+                  <a:pt x="4610660" y="3331516"/>
+                </a:cubicBezTo>
+                <a:cubicBezTo>
+                  <a:pt x="4652837" y="3672965"/>
+                  <a:pt x="4671625" y="4013908"/>
+                  <a:pt x="4645040" y="4357388"/>
+                </a:cubicBezTo>
+                <a:cubicBezTo>
+                  <a:pt x="4613599" y="4758899"/>
+                  <a:pt x="4566181" y="5157998"/>
+                  <a:pt x="4485789" y="5552906"/>
+                </a:cubicBezTo>
+                <a:cubicBezTo>
+                  <a:pt x="4397121" y="5988893"/>
+                  <a:pt x="4276748" y="6414594"/>
+                  <a:pt x="4117769" y="6828295"/>
+                </a:cubicBezTo>
+                <a:lnTo>
+                  <a:pt x="4105288" y="6858000"/>
+                </a:lnTo>
+                <a:lnTo>
+                  <a:pt x="4052520" y="6858000"/>
+                </a:lnTo>
+                <a:lnTo>
+                  <a:pt x="4059369" y="6841549"/>
+                </a:lnTo>
+                <a:cubicBezTo>
+                  <a:pt x="4147276" y="6614016"/>
+                  <a:pt x="4224193" y="6380817"/>
+                  <a:pt x="4291518" y="6142729"/>
+                </a:cubicBezTo>
+                <a:cubicBezTo>
+                  <a:pt x="4350055" y="5935370"/>
+                  <a:pt x="4393256" y="5723695"/>
+                  <a:pt x="4443357" y="5513923"/>
+                </a:cubicBezTo>
+                <a:cubicBezTo>
+                  <a:pt x="4444541" y="5502788"/>
+                  <a:pt x="4445137" y="5491601"/>
+                  <a:pt x="4445146" y="5480401"/>
+                </a:cubicBezTo>
+                <a:cubicBezTo>
+                  <a:pt x="4408465" y="5607635"/>
+                  <a:pt x="4379196" y="5719759"/>
+                  <a:pt x="4344559" y="5830359"/>
+                </a:cubicBezTo>
+                <a:cubicBezTo>
+                  <a:pt x="4254261" y="6118381"/>
+                  <a:pt x="4150112" y="6398531"/>
+                  <a:pt x="4031702" y="6670527"/>
+                </a:cubicBezTo>
+                <a:lnTo>
+                  <a:pt x="3943824" y="6858000"/>
+                </a:lnTo>
+                <a:lnTo>
+                  <a:pt x="0" y="6858000"/>
+                </a:lnTo>
+                <a:close/>
+              </a:path>
+            </a:pathLst>
+          </a:custGeom>
+        </p:spPr>
+      </p:pic>
+      <p:sp>
+        <p:nvSpPr>
+          <p:cNvPr id="15" name="sketchy line">
+            <a:extLst>
+              <a:ext uri="{FF2B5EF4-FFF2-40B4-BE49-F238E27FC236}">
+                <a16:creationId xmlns:a16="http://schemas.microsoft.com/office/drawing/2014/main" id="{21540236-BFD5-4A9D-8840-4703E7F76825}"/>
+              </a:ext>
+              <a:ext uri="{C183D7F6-B498-43B3-948B-1728B52AA6E4}">
+                <adec:decorative xmlns:adec="http://schemas.microsoft.com/office/drawing/2017/decorative" val="1"/>
+              </a:ext>
+            </a:extLst>
+          </p:cNvPr>
+          <p:cNvSpPr>
+            <a:spLocks noGrp="1" noRot="1" noChangeAspect="1" noMove="1" noResize="1" noEditPoints="1" noAdjustHandles="1" noChangeArrowheads="1" noChangeShapeType="1" noTextEdit="1"/>
+          </p:cNvSpPr>
+          <p:nvPr>
+            <p:extLst>
+              <p:ext uri="{386F3935-93C4-4BCD-93E2-E3B085C9AB24}">
+                <p16:designElem xmlns:p16="http://schemas.microsoft.com/office/powerpoint/2015/main" val="1"/>
+              </p:ext>
+            </p:extLst>
+          </p:nvPr>
+        </p:nvSpPr>
+        <p:spPr>
+          <a:xfrm>
+            <a:off x="5297762" y="2374947"/>
+            <a:ext cx="4243589" cy="18288"/>
+          </a:xfrm>
+          <a:custGeom>
+            <a:avLst/>
+            <a:gdLst>
+              <a:gd name="connsiteX0" fmla="*/ 0 w 4243589"/>
+              <a:gd name="connsiteY0" fmla="*/ 0 h 18288"/>
+              <a:gd name="connsiteX1" fmla="*/ 478919 w 4243589"/>
+              <a:gd name="connsiteY1" fmla="*/ 0 h 18288"/>
+              <a:gd name="connsiteX2" fmla="*/ 957839 w 4243589"/>
+              <a:gd name="connsiteY2" fmla="*/ 0 h 18288"/>
+              <a:gd name="connsiteX3" fmla="*/ 1521630 w 4243589"/>
+              <a:gd name="connsiteY3" fmla="*/ 0 h 18288"/>
+              <a:gd name="connsiteX4" fmla="*/ 2212729 w 4243589"/>
+              <a:gd name="connsiteY4" fmla="*/ 0 h 18288"/>
+              <a:gd name="connsiteX5" fmla="*/ 2734084 w 4243589"/>
+              <a:gd name="connsiteY5" fmla="*/ 0 h 18288"/>
+              <a:gd name="connsiteX6" fmla="*/ 3255439 w 4243589"/>
+              <a:gd name="connsiteY6" fmla="*/ 0 h 18288"/>
+              <a:gd name="connsiteX7" fmla="*/ 4243589 w 4243589"/>
+              <a:gd name="connsiteY7" fmla="*/ 0 h 18288"/>
+              <a:gd name="connsiteX8" fmla="*/ 4243589 w 4243589"/>
+              <a:gd name="connsiteY8" fmla="*/ 18288 h 18288"/>
+              <a:gd name="connsiteX9" fmla="*/ 3594926 w 4243589"/>
+              <a:gd name="connsiteY9" fmla="*/ 18288 h 18288"/>
+              <a:gd name="connsiteX10" fmla="*/ 3073571 w 4243589"/>
+              <a:gd name="connsiteY10" fmla="*/ 18288 h 18288"/>
+              <a:gd name="connsiteX11" fmla="*/ 2552216 w 4243589"/>
+              <a:gd name="connsiteY11" fmla="*/ 18288 h 18288"/>
+              <a:gd name="connsiteX12" fmla="*/ 1903553 w 4243589"/>
+              <a:gd name="connsiteY12" fmla="*/ 18288 h 18288"/>
+              <a:gd name="connsiteX13" fmla="*/ 1212454 w 4243589"/>
+              <a:gd name="connsiteY13" fmla="*/ 18288 h 18288"/>
+              <a:gd name="connsiteX14" fmla="*/ 733535 w 4243589"/>
+              <a:gd name="connsiteY14" fmla="*/ 18288 h 18288"/>
+              <a:gd name="connsiteX15" fmla="*/ 0 w 4243589"/>
+              <a:gd name="connsiteY15" fmla="*/ 18288 h 18288"/>
+              <a:gd name="connsiteX16" fmla="*/ 0 w 4243589"/>
+              <a:gd name="connsiteY16" fmla="*/ 0 h 18288"/>
+            </a:gdLst>
+            <a:ahLst/>
+            <a:cxnLst>
+              <a:cxn ang="0">
+                <a:pos x="connsiteX0" y="connsiteY0"/>
+              </a:cxn>
+              <a:cxn ang="0">
+                <a:pos x="connsiteX1" y="connsiteY1"/>
+              </a:cxn>
+              <a:cxn ang="0">
+                <a:pos x="connsiteX2" y="connsiteY2"/>
+              </a:cxn>
+              <a:cxn ang="0">
+                <a:pos x="connsiteX3" y="connsiteY3"/>
+              </a:cxn>
+              <a:cxn ang="0">
+                <a:pos x="connsiteX4" y="connsiteY4"/>
+              </a:cxn>
+              <a:cxn ang="0">
+                <a:pos x="connsiteX5" y="connsiteY5"/>
+              </a:cxn>
+              <a:cxn ang="0">
+                <a:pos x="connsiteX6" y="connsiteY6"/>
+              </a:cxn>
+              <a:cxn ang="0">
+                <a:pos x="connsiteX7" y="connsiteY7"/>
+              </a:cxn>
+              <a:cxn ang="0">
+                <a:pos x="connsiteX8" y="connsiteY8"/>
+              </a:cxn>
+              <a:cxn ang="0">
+                <a:pos x="connsiteX9" y="connsiteY9"/>
+              </a:cxn>
+              <a:cxn ang="0">
+                <a:pos x="connsiteX10" y="connsiteY10"/>
+              </a:cxn>
+              <a:cxn ang="0">
+                <a:pos x="connsiteX11" y="connsiteY11"/>
+              </a:cxn>
+              <a:cxn ang="0">
+                <a:pos x="connsiteX12" y="connsiteY12"/>
+              </a:cxn>
+              <a:cxn ang="0">
+                <a:pos x="connsiteX13" y="connsiteY13"/>
+              </a:cxn>
+              <a:cxn ang="0">
+                <a:pos x="connsiteX14" y="connsiteY14"/>
+              </a:cxn>
+              <a:cxn ang="0">
+                <a:pos x="connsiteX15" y="connsiteY15"/>
+              </a:cxn>
+              <a:cxn ang="0">
+                <a:pos x="connsiteX16" y="connsiteY16"/>
+              </a:cxn>
+            </a:cxnLst>
+            <a:rect l="l" t="t" r="r" b="b"/>
+            <a:pathLst>
+              <a:path w="4243589" h="18288" fill="none" extrusionOk="0">
+                <a:moveTo>
+                  <a:pt x="0" y="0"/>
+                </a:moveTo>
+                <a:cubicBezTo>
+                  <a:pt x="213395" y="-21006"/>
+                  <a:pt x="307421" y="-18116"/>
+                  <a:pt x="478919" y="0"/>
+                </a:cubicBezTo>
+                <a:cubicBezTo>
+                  <a:pt x="650417" y="18116"/>
+                  <a:pt x="831092" y="-21237"/>
+                  <a:pt x="957839" y="0"/>
+                </a:cubicBezTo>
+                <a:cubicBezTo>
+                  <a:pt x="1084586" y="21237"/>
+                  <a:pt x="1301682" y="25124"/>
+                  <a:pt x="1521630" y="0"/>
+                </a:cubicBezTo>
+                <a:cubicBezTo>
+                  <a:pt x="1741578" y="-25124"/>
+                  <a:pt x="1970269" y="-29139"/>
+                  <a:pt x="2212729" y="0"/>
+                </a:cubicBezTo>
+                <a:cubicBezTo>
+                  <a:pt x="2455189" y="29139"/>
+                  <a:pt x="2558847" y="-4796"/>
+                  <a:pt x="2734084" y="0"/>
+                </a:cubicBezTo>
+                <a:cubicBezTo>
+                  <a:pt x="2909321" y="4796"/>
+                  <a:pt x="3097217" y="-13409"/>
+                  <a:pt x="3255439" y="0"/>
+                </a:cubicBezTo>
+                <a:cubicBezTo>
+                  <a:pt x="3413662" y="13409"/>
+                  <a:pt x="3979999" y="-10121"/>
+                  <a:pt x="4243589" y="0"/>
+                </a:cubicBezTo>
+                <a:cubicBezTo>
+                  <a:pt x="4244484" y="8974"/>
+                  <a:pt x="4243043" y="9359"/>
+                  <a:pt x="4243589" y="18288"/>
+                </a:cubicBezTo>
+                <a:cubicBezTo>
+                  <a:pt x="4058777" y="31246"/>
+                  <a:pt x="3910348" y="3158"/>
+                  <a:pt x="3594926" y="18288"/>
+                </a:cubicBezTo>
+                <a:cubicBezTo>
+                  <a:pt x="3279504" y="33418"/>
+                  <a:pt x="3319955" y="-3977"/>
+                  <a:pt x="3073571" y="18288"/>
+                </a:cubicBezTo>
+                <a:cubicBezTo>
+                  <a:pt x="2827187" y="40553"/>
+                  <a:pt x="2767387" y="1863"/>
+                  <a:pt x="2552216" y="18288"/>
+                </a:cubicBezTo>
+                <a:cubicBezTo>
+                  <a:pt x="2337046" y="34713"/>
+                  <a:pt x="2181871" y="19527"/>
+                  <a:pt x="1903553" y="18288"/>
+                </a:cubicBezTo>
+                <a:cubicBezTo>
+                  <a:pt x="1625235" y="17049"/>
+                  <a:pt x="1557672" y="24174"/>
+                  <a:pt x="1212454" y="18288"/>
+                </a:cubicBezTo>
+                <a:cubicBezTo>
+                  <a:pt x="867236" y="12402"/>
+                  <a:pt x="874382" y="15627"/>
+                  <a:pt x="733535" y="18288"/>
+                </a:cubicBezTo>
+                <a:cubicBezTo>
+                  <a:pt x="592688" y="20949"/>
+                  <a:pt x="183477" y="14753"/>
+                  <a:pt x="0" y="18288"/>
+                </a:cubicBezTo>
+                <a:cubicBezTo>
+                  <a:pt x="-229" y="14222"/>
+                  <a:pt x="509" y="5816"/>
+                  <a:pt x="0" y="0"/>
+                </a:cubicBezTo>
+                <a:close/>
+              </a:path>
+              <a:path w="4243589" h="18288" stroke="0" extrusionOk="0">
+                <a:moveTo>
+                  <a:pt x="0" y="0"/>
+                </a:moveTo>
+                <a:cubicBezTo>
+                  <a:pt x="143690" y="16630"/>
+                  <a:pt x="266667" y="14847"/>
+                  <a:pt x="521355" y="0"/>
+                </a:cubicBezTo>
+                <a:cubicBezTo>
+                  <a:pt x="776043" y="-14847"/>
+                  <a:pt x="814491" y="-17363"/>
+                  <a:pt x="1000275" y="0"/>
+                </a:cubicBezTo>
+                <a:cubicBezTo>
+                  <a:pt x="1186059" y="17363"/>
+                  <a:pt x="1352504" y="-23507"/>
+                  <a:pt x="1521630" y="0"/>
+                </a:cubicBezTo>
+                <a:cubicBezTo>
+                  <a:pt x="1690756" y="23507"/>
+                  <a:pt x="1889525" y="5871"/>
+                  <a:pt x="2127857" y="0"/>
+                </a:cubicBezTo>
+                <a:cubicBezTo>
+                  <a:pt x="2366189" y="-5871"/>
+                  <a:pt x="2620628" y="-27997"/>
+                  <a:pt x="2776520" y="0"/>
+                </a:cubicBezTo>
+                <a:cubicBezTo>
+                  <a:pt x="2932412" y="27997"/>
+                  <a:pt x="3131683" y="-25073"/>
+                  <a:pt x="3467618" y="0"/>
+                </a:cubicBezTo>
+                <a:cubicBezTo>
+                  <a:pt x="3803553" y="25073"/>
+                  <a:pt x="4017371" y="3071"/>
+                  <a:pt x="4243589" y="0"/>
+                </a:cubicBezTo>
+                <a:cubicBezTo>
+                  <a:pt x="4243134" y="6162"/>
+                  <a:pt x="4243492" y="11775"/>
+                  <a:pt x="4243589" y="18288"/>
+                </a:cubicBezTo>
+                <a:cubicBezTo>
+                  <a:pt x="4017834" y="-5779"/>
+                  <a:pt x="3834586" y="13376"/>
+                  <a:pt x="3594926" y="18288"/>
+                </a:cubicBezTo>
+                <a:cubicBezTo>
+                  <a:pt x="3355266" y="23200"/>
+                  <a:pt x="3204179" y="2869"/>
+                  <a:pt x="2903827" y="18288"/>
+                </a:cubicBezTo>
+                <a:cubicBezTo>
+                  <a:pt x="2603475" y="33707"/>
+                  <a:pt x="2526187" y="46187"/>
+                  <a:pt x="2212729" y="18288"/>
+                </a:cubicBezTo>
+                <a:cubicBezTo>
+                  <a:pt x="1899271" y="-9611"/>
+                  <a:pt x="1966289" y="29692"/>
+                  <a:pt x="1733809" y="18288"/>
+                </a:cubicBezTo>
+                <a:cubicBezTo>
+                  <a:pt x="1501329" y="6884"/>
+                  <a:pt x="1343612" y="12492"/>
+                  <a:pt x="1085146" y="18288"/>
+                </a:cubicBezTo>
+                <a:cubicBezTo>
+                  <a:pt x="826680" y="24084"/>
+                  <a:pt x="778184" y="35607"/>
+                  <a:pt x="521355" y="18288"/>
+                </a:cubicBezTo>
+                <a:cubicBezTo>
+                  <a:pt x="264526" y="969"/>
+                  <a:pt x="120277" y="4268"/>
+                  <a:pt x="0" y="18288"/>
+                </a:cubicBezTo>
+                <a:cubicBezTo>
+                  <a:pt x="766" y="10800"/>
+                  <a:pt x="-457" y="8180"/>
+                  <a:pt x="0" y="0"/>
+                </a:cubicBezTo>
+                <a:close/>
+              </a:path>
+            </a:pathLst>
+          </a:custGeom>
+          <a:solidFill>
+            <a:schemeClr val="accent2"/>
+          </a:solidFill>
+          <a:ln w="44450" cap="rnd">
+            <a:solidFill>
+              <a:schemeClr val="accent2"/>
+            </a:solidFill>
+            <a:round/>
+            <a:extLst>
+              <a:ext uri="{C807C97D-BFC1-408E-A445-0C87EB9F89A2}">
+                <ask:lineSketchStyleProps xmlns:ask="http://schemas.microsoft.com/office/drawing/2018/sketchyshapes" sd="2727557108">
+                  <a:prstGeom prst="rect">
+                    <a:avLst/>
+                  </a:prstGeom>
+                  <ask:type>
+                    <ask:lineSketchFreehand/>
+                  </ask:type>
+                </ask:lineSketchStyleProps>
+              </a:ext>
+            </a:extLst>
+          </a:ln>
+        </p:spPr>
+        <p:style>
+          <a:lnRef idx="2">
+            <a:schemeClr val="accent1">
+              <a:shade val="50000"/>
+            </a:schemeClr>
+          </a:lnRef>
+          <a:fillRef idx="1">
+            <a:schemeClr val="accent1"/>
+          </a:fillRef>
+          <a:effectRef idx="0">
+            <a:schemeClr val="accent1"/>
+          </a:effectRef>
+          <a:fontRef idx="minor">
+            <a:schemeClr val="lt1"/>
+          </a:fontRef>
+        </p:style>
+        <p:txBody>
+          <a:bodyPr rtlCol="0" anchor="ctr"/>
+          <a:lstStyle/>
+          <a:p>
             <a:pPr algn="ctr"/>
-            <a:r>
-              <a:rPr lang="en-US" sz="3600" b="1" dirty="0"/>
-              <a:t>Recommended Future Analysis </a:t>
-            </a:r>
+            <a:endParaRPr lang="en-US"/>
           </a:p>
         </p:txBody>
       </p:sp>
@@ -10999,16 +11470,16 @@
         </p:nvSpPr>
         <p:spPr>
           <a:xfrm>
-            <a:off x="516360" y="1815589"/>
-            <a:ext cx="9886950" cy="1707787"/>
+            <a:off x="5157216" y="2660904"/>
+            <a:ext cx="6391656" cy="3529584"/>
           </a:xfrm>
           <a:prstGeom prst="rect">
             <a:avLst/>
           </a:prstGeom>
         </p:spPr>
         <p:txBody>
-          <a:bodyPr>
-            <a:noAutofit/>
+          <a:bodyPr vert="horz" lIns="91440" tIns="45720" rIns="91440" bIns="45720" rtlCol="0">
+            <a:normAutofit/>
           </a:bodyPr>
           <a:lstStyle>
             <a:lvl1pPr algn="l" defTabSz="914400" rtl="0" eaLnBrk="1" latinLnBrk="0" hangingPunct="1">
@@ -11030,62 +11501,340 @@
             </a:lvl1pPr>
           </a:lstStyle>
           <a:p>
-            <a:pPr marL="342900" indent="-342900">
+            <a:pPr marL="342900" indent="-228600">
+              <a:lnSpc>
+                <a:spcPct val="100000"/>
+              </a:lnSpc>
+              <a:spcAft>
+                <a:spcPts val="600"/>
+              </a:spcAft>
               <a:buFont typeface="Arial" panose="020B0604020202020204" pitchFamily="34" charset="0"/>
               <a:buChar char="•"/>
             </a:pPr>
             <a:r>
-              <a:rPr lang="en-US" sz="2400" dirty="0"/>
+              <a:rPr lang="en-US" sz="2800" dirty="0">
+                <a:latin typeface="+mn-lt"/>
+                <a:ea typeface="+mn-ea"/>
+                <a:cs typeface="+mn-cs"/>
+              </a:rPr>
               <a:t>Use updated data reports</a:t>
             </a:r>
           </a:p>
           <a:p>
-            <a:pPr marL="342900" indent="-342900">
+            <a:pPr marL="342900" indent="-228600">
+              <a:lnSpc>
+                <a:spcPct val="100000"/>
+              </a:lnSpc>
+              <a:spcAft>
+                <a:spcPts val="600"/>
+              </a:spcAft>
               <a:buFont typeface="Arial" panose="020B0604020202020204" pitchFamily="34" charset="0"/>
               <a:buChar char="•"/>
             </a:pPr>
             <a:r>
-              <a:rPr lang="en-US" sz="2400" dirty="0"/>
+              <a:rPr lang="en-US" sz="2800" dirty="0">
+                <a:latin typeface="+mn-lt"/>
+                <a:ea typeface="+mn-ea"/>
+                <a:cs typeface="+mn-cs"/>
+              </a:rPr>
               <a:t>Further cleanup of country names</a:t>
             </a:r>
           </a:p>
           <a:p>
-            <a:pPr marL="342900" indent="-342900">
+            <a:pPr marL="342900" indent="-228600">
+              <a:lnSpc>
+                <a:spcPct val="100000"/>
+              </a:lnSpc>
+              <a:spcAft>
+                <a:spcPts val="600"/>
+              </a:spcAft>
               <a:buFont typeface="Arial" panose="020B0604020202020204" pitchFamily="34" charset="0"/>
               <a:buChar char="•"/>
             </a:pPr>
             <a:r>
-              <a:rPr lang="en-US" sz="2400" dirty="0"/>
+              <a:rPr lang="en-US" sz="2800" dirty="0">
+                <a:latin typeface="+mn-lt"/>
+                <a:ea typeface="+mn-ea"/>
+                <a:cs typeface="+mn-cs"/>
+              </a:rPr>
               <a:t>Segregate non-reporting or limited reporting countries</a:t>
             </a:r>
           </a:p>
           <a:p>
-            <a:pPr marL="342900" indent="-342900">
+            <a:pPr marL="114300">
+              <a:lnSpc>
+                <a:spcPct val="100000"/>
+              </a:lnSpc>
+              <a:spcAft>
+                <a:spcPts val="600"/>
+              </a:spcAft>
+            </a:pPr>
+            <a:endParaRPr lang="en-US" sz="2800" dirty="0">
+              <a:latin typeface="+mn-lt"/>
+              <a:ea typeface="+mn-ea"/>
+              <a:cs typeface="+mn-cs"/>
+            </a:endParaRPr>
+          </a:p>
+          <a:p>
+            <a:pPr marL="342900" indent="-228600">
+              <a:lnSpc>
+                <a:spcPct val="100000"/>
+              </a:lnSpc>
+              <a:spcAft>
+                <a:spcPts val="600"/>
+              </a:spcAft>
               <a:buFont typeface="Arial" panose="020B0604020202020204" pitchFamily="34" charset="0"/>
               <a:buChar char="•"/>
             </a:pPr>
-            <a:r>
-              <a:rPr lang="en-US" sz="2400"/>
-              <a:t>…………</a:t>
-            </a:r>
-            <a:endParaRPr lang="en-US" sz="2400" dirty="0"/>
-          </a:p>
-          <a:p>
-            <a:pPr marL="342900" indent="-342900">
+            <a:endParaRPr lang="en-US" sz="2800" dirty="0">
+              <a:latin typeface="+mn-lt"/>
+              <a:ea typeface="+mn-ea"/>
+              <a:cs typeface="+mn-cs"/>
+            </a:endParaRPr>
+          </a:p>
+          <a:p>
+            <a:pPr indent="-228600">
+              <a:lnSpc>
+                <a:spcPct val="100000"/>
+              </a:lnSpc>
+              <a:spcAft>
+                <a:spcPts val="600"/>
+              </a:spcAft>
               <a:buFont typeface="Arial" panose="020B0604020202020204" pitchFamily="34" charset="0"/>
               <a:buChar char="•"/>
             </a:pPr>
-            <a:endParaRPr lang="en-US" sz="2400" dirty="0"/>
-          </a:p>
-          <a:p>
-            <a:endParaRPr lang="en-US" sz="2400" dirty="0"/>
-          </a:p>
-          <a:p>
-            <a:pPr marL="342900" indent="-342900">
+            <a:endParaRPr lang="en-US" sz="2800" dirty="0">
+              <a:latin typeface="+mn-lt"/>
+              <a:ea typeface="+mn-ea"/>
+              <a:cs typeface="+mn-cs"/>
+            </a:endParaRPr>
+          </a:p>
+          <a:p>
+            <a:pPr marL="342900" indent="-228600">
+              <a:lnSpc>
+                <a:spcPct val="100000"/>
+              </a:lnSpc>
+              <a:spcAft>
+                <a:spcPts val="600"/>
+              </a:spcAft>
               <a:buFont typeface="Arial" panose="020B0604020202020204" pitchFamily="34" charset="0"/>
               <a:buChar char="•"/>
             </a:pPr>
-            <a:endParaRPr lang="en-US" sz="2400" dirty="0"/>
+            <a:endParaRPr lang="en-US" sz="2800" dirty="0">
+              <a:latin typeface="+mn-lt"/>
+              <a:ea typeface="+mn-ea"/>
+              <a:cs typeface="+mn-cs"/>
+            </a:endParaRPr>
+          </a:p>
+        </p:txBody>
+      </p:sp>
+      <p:sp>
+        <p:nvSpPr>
+          <p:cNvPr id="2" name="Date Placeholder 1">
+            <a:extLst>
+              <a:ext uri="{FF2B5EF4-FFF2-40B4-BE49-F238E27FC236}">
+                <a16:creationId xmlns:a16="http://schemas.microsoft.com/office/drawing/2014/main" id="{CE5DB7E6-95CC-4B40-B5A1-52F98B971718}"/>
+              </a:ext>
+            </a:extLst>
+          </p:cNvPr>
+          <p:cNvSpPr>
+            <a:spLocks noGrp="1"/>
+          </p:cNvSpPr>
+          <p:nvPr>
+            <p:ph type="dt" sz="half" idx="10"/>
+          </p:nvPr>
+        </p:nvSpPr>
+        <p:spPr>
+          <a:xfrm>
+            <a:off x="838200" y="6356350"/>
+            <a:ext cx="2743200" cy="365125"/>
+          </a:xfrm>
+        </p:spPr>
+        <p:txBody>
+          <a:bodyPr vert="horz" lIns="91440" tIns="45720" rIns="91440" bIns="45720" rtlCol="0" anchor="ctr">
+            <a:normAutofit/>
+          </a:bodyPr>
+          <a:lstStyle/>
+          <a:p>
+            <a:pPr>
+              <a:spcAft>
+                <a:spcPts val="600"/>
+              </a:spcAft>
+              <a:defRPr/>
+            </a:pPr>
+            <a:r>
+              <a:rPr lang="en-US">
+                <a:solidFill>
+                  <a:srgbClr val="FFFFFF"/>
+                </a:solidFill>
+                <a:latin typeface="Calibri" panose="020F0502020204030204"/>
+              </a:rPr>
+              <a:t>6/9/2021</a:t>
+            </a:r>
+          </a:p>
+        </p:txBody>
+      </p:sp>
+      <p:sp>
+        <p:nvSpPr>
+          <p:cNvPr id="3" name="Footer Placeholder 2">
+            <a:extLst>
+              <a:ext uri="{FF2B5EF4-FFF2-40B4-BE49-F238E27FC236}">
+                <a16:creationId xmlns:a16="http://schemas.microsoft.com/office/drawing/2014/main" id="{F9C71061-44F4-4298-A2F1-DB7F955F92C4}"/>
+              </a:ext>
+            </a:extLst>
+          </p:cNvPr>
+          <p:cNvSpPr>
+            <a:spLocks noGrp="1"/>
+          </p:cNvSpPr>
+          <p:nvPr>
+            <p:ph type="ftr" sz="quarter" idx="11"/>
+          </p:nvPr>
+        </p:nvSpPr>
+        <p:spPr>
+          <a:xfrm>
+            <a:off x="5297762" y="6356350"/>
+            <a:ext cx="4114800" cy="365125"/>
+          </a:xfrm>
+        </p:spPr>
+        <p:txBody>
+          <a:bodyPr vert="horz" lIns="91440" tIns="45720" rIns="91440" bIns="45720" rtlCol="0" anchor="ctr">
+            <a:normAutofit/>
+          </a:bodyPr>
+          <a:lstStyle/>
+          <a:p>
+            <a:pPr algn="l">
+              <a:spcAft>
+                <a:spcPts val="600"/>
+              </a:spcAft>
+              <a:defRPr/>
+            </a:pPr>
+            <a:r>
+              <a:rPr lang="en-US" kern="1200">
+                <a:solidFill>
+                  <a:prstClr val="black">
+                    <a:tint val="75000"/>
+                  </a:prstClr>
+                </a:solidFill>
+                <a:latin typeface="Calibri" panose="020F0502020204030204"/>
+                <a:ea typeface="+mn-ea"/>
+                <a:cs typeface="+mn-cs"/>
+              </a:rPr>
+              <a:t>https://github.com/makbarish/Grp5_Project1_Covid19</a:t>
+            </a:r>
+          </a:p>
+        </p:txBody>
+      </p:sp>
+      <p:sp>
+        <p:nvSpPr>
+          <p:cNvPr id="4" name="Slide Number Placeholder 3">
+            <a:extLst>
+              <a:ext uri="{FF2B5EF4-FFF2-40B4-BE49-F238E27FC236}">
+                <a16:creationId xmlns:a16="http://schemas.microsoft.com/office/drawing/2014/main" id="{6417783F-0E52-48D5-AAC7-F8904842DBBC}"/>
+              </a:ext>
+            </a:extLst>
+          </p:cNvPr>
+          <p:cNvSpPr>
+            <a:spLocks noGrp="1"/>
+          </p:cNvSpPr>
+          <p:nvPr>
+            <p:ph type="sldNum" sz="quarter" idx="12"/>
+          </p:nvPr>
+        </p:nvSpPr>
+        <p:spPr>
+          <a:xfrm>
+            <a:off x="10052978" y="6356350"/>
+            <a:ext cx="1300821" cy="365125"/>
+          </a:xfrm>
+        </p:spPr>
+        <p:txBody>
+          <a:bodyPr vert="horz" lIns="91440" tIns="45720" rIns="91440" bIns="45720" rtlCol="0" anchor="ctr">
+            <a:normAutofit/>
+          </a:bodyPr>
+          <a:lstStyle/>
+          <a:p>
+            <a:pPr>
+              <a:spcAft>
+                <a:spcPts val="600"/>
+              </a:spcAft>
+              <a:defRPr/>
+            </a:pPr>
+            <a:fld id="{3AA9003C-6A8E-4863-AB7A-EC3E1B799067}" type="slidenum">
+              <a:rPr lang="en-US" smtClean="0">
+                <a:solidFill>
+                  <a:prstClr val="black">
+                    <a:tint val="75000"/>
+                  </a:prstClr>
+                </a:solidFill>
+                <a:latin typeface="Calibri" panose="020F0502020204030204"/>
+              </a:rPr>
+              <a:pPr>
+                <a:spcAft>
+                  <a:spcPts val="600"/>
+                </a:spcAft>
+                <a:defRPr/>
+              </a:pPr>
+              <a:t>28</a:t>
+            </a:fld>
+            <a:endParaRPr lang="en-US">
+              <a:solidFill>
+                <a:prstClr val="black">
+                  <a:tint val="75000"/>
+                </a:prstClr>
+              </a:solidFill>
+              <a:latin typeface="Calibri" panose="020F0502020204030204"/>
+            </a:endParaRPr>
+          </a:p>
+        </p:txBody>
+      </p:sp>
+      <p:sp>
+        <p:nvSpPr>
+          <p:cNvPr id="12" name="TextBox 11">
+            <a:extLst>
+              <a:ext uri="{FF2B5EF4-FFF2-40B4-BE49-F238E27FC236}">
+                <a16:creationId xmlns:a16="http://schemas.microsoft.com/office/drawing/2014/main" id="{C7424706-AAA1-4FE0-9CF2-04CD99F65574}"/>
+              </a:ext>
+            </a:extLst>
+          </p:cNvPr>
+          <p:cNvSpPr txBox="1"/>
+          <p:nvPr/>
+        </p:nvSpPr>
+        <p:spPr>
+          <a:xfrm>
+            <a:off x="4209063" y="1771767"/>
+            <a:ext cx="6094602" cy="723275"/>
+          </a:xfrm>
+          <a:prstGeom prst="rect">
+            <a:avLst/>
+          </a:prstGeom>
+          <a:noFill/>
+        </p:spPr>
+        <p:txBody>
+          <a:bodyPr wrap="square">
+            <a:spAutoFit/>
+          </a:bodyPr>
+          <a:lstStyle/>
+          <a:p>
+            <a:pPr algn="ctr">
+              <a:spcAft>
+                <a:spcPts val="600"/>
+              </a:spcAft>
+            </a:pPr>
+            <a:r>
+              <a:rPr lang="en-US" sz="1800" b="1" dirty="0"/>
+              <a:t>Recommended Future Analysis </a:t>
+            </a:r>
+          </a:p>
+          <a:p>
+            <a:pPr algn="ctr">
+              <a:spcAft>
+                <a:spcPts val="600"/>
+              </a:spcAft>
+            </a:pPr>
+            <a:r>
+              <a:rPr lang="en-US" sz="1800" b="1" dirty="0"/>
+              <a:t> </a:t>
+            </a:r>
+            <a:endParaRPr lang="en-US" dirty="0"/>
           </a:p>
         </p:txBody>
       </p:sp>
@@ -11852,216 +12601,650 @@
           </a:p>
         </p:txBody>
       </p:sp>
-      <p:pic>
-        <p:nvPicPr>
-          <p:cNvPr id="5" name="Picture 4">
-            <a:extLst>
-              <a:ext uri="{FF2B5EF4-FFF2-40B4-BE49-F238E27FC236}">
-                <a16:creationId xmlns:a16="http://schemas.microsoft.com/office/drawing/2014/main" id="{CC497F15-0ECB-4058-ABF5-62C197E92CC4}"/>
-              </a:ext>
-            </a:extLst>
-          </p:cNvPr>
-          <p:cNvPicPr>
-            <a:picLocks noChangeAspect="1"/>
-          </p:cNvPicPr>
+      <p:grpSp>
+        <p:nvGrpSpPr>
+          <p:cNvPr id="6" name="Group 5">
+            <a:extLst>
+              <a:ext uri="{FF2B5EF4-FFF2-40B4-BE49-F238E27FC236}">
+                <a16:creationId xmlns:a16="http://schemas.microsoft.com/office/drawing/2014/main" id="{B97A4EA7-0D36-4690-98F7-D9A27437A3B6}"/>
+              </a:ext>
+            </a:extLst>
+          </p:cNvPr>
+          <p:cNvGrpSpPr/>
           <p:nvPr/>
-        </p:nvPicPr>
-        <p:blipFill>
-          <a:blip r:embed="rId2"/>
-          <a:stretch>
-            <a:fillRect/>
-          </a:stretch>
-        </p:blipFill>
+        </p:nvGrpSpPr>
+        <p:grpSpPr>
+          <a:xfrm>
+            <a:off x="452807" y="827074"/>
+            <a:ext cx="11115611" cy="5254944"/>
+            <a:chOff x="452807" y="827074"/>
+            <a:chExt cx="11596580" cy="5643192"/>
+          </a:xfrm>
+        </p:grpSpPr>
+        <p:pic>
+          <p:nvPicPr>
+            <p:cNvPr id="5" name="Picture 4">
+              <a:extLst>
+                <a:ext uri="{FF2B5EF4-FFF2-40B4-BE49-F238E27FC236}">
+                  <a16:creationId xmlns:a16="http://schemas.microsoft.com/office/drawing/2014/main" id="{CC497F15-0ECB-4058-ABF5-62C197E92CC4}"/>
+                </a:ext>
+              </a:extLst>
+            </p:cNvPr>
+            <p:cNvPicPr>
+              <a:picLocks noChangeAspect="1"/>
+            </p:cNvPicPr>
+            <p:nvPr/>
+          </p:nvPicPr>
+          <p:blipFill>
+            <a:blip r:embed="rId2"/>
+            <a:stretch>
+              <a:fillRect/>
+            </a:stretch>
+          </p:blipFill>
+          <p:spPr>
+            <a:xfrm>
+              <a:off x="452807" y="827074"/>
+              <a:ext cx="11286386" cy="5643192"/>
+            </a:xfrm>
+            <a:prstGeom prst="rect">
+              <a:avLst/>
+            </a:prstGeom>
+          </p:spPr>
+        </p:pic>
+        <p:cxnSp>
+          <p:nvCxnSpPr>
+            <p:cNvPr id="12" name="Straight Connector 11">
+              <a:extLst>
+                <a:ext uri="{FF2B5EF4-FFF2-40B4-BE49-F238E27FC236}">
+                  <a16:creationId xmlns:a16="http://schemas.microsoft.com/office/drawing/2014/main" id="{28183E56-8C91-4D07-B069-DCF6777EC2A8}"/>
+                </a:ext>
+              </a:extLst>
+            </p:cNvPr>
+            <p:cNvCxnSpPr>
+              <a:cxnSpLocks/>
+            </p:cNvCxnSpPr>
+            <p:nvPr/>
+          </p:nvCxnSpPr>
+          <p:spPr>
+            <a:xfrm>
+              <a:off x="7117359" y="4373026"/>
+              <a:ext cx="0" cy="1377086"/>
+            </a:xfrm>
+            <a:prstGeom prst="line">
+              <a:avLst/>
+            </a:prstGeom>
+            <a:ln>
+              <a:prstDash val="lgDashDotDot"/>
+            </a:ln>
+          </p:spPr>
+          <p:style>
+            <a:lnRef idx="1">
+              <a:schemeClr val="accent1"/>
+            </a:lnRef>
+            <a:fillRef idx="0">
+              <a:schemeClr val="accent1"/>
+            </a:fillRef>
+            <a:effectRef idx="0">
+              <a:schemeClr val="accent1"/>
+            </a:effectRef>
+            <a:fontRef idx="minor">
+              <a:schemeClr val="tx1"/>
+            </a:fontRef>
+          </p:style>
+        </p:cxnSp>
+        <p:cxnSp>
+          <p:nvCxnSpPr>
+            <p:cNvPr id="14" name="Straight Connector 13">
+              <a:extLst>
+                <a:ext uri="{FF2B5EF4-FFF2-40B4-BE49-F238E27FC236}">
+                  <a16:creationId xmlns:a16="http://schemas.microsoft.com/office/drawing/2014/main" id="{1ADFAFD7-F17B-45D1-AE2D-43C20CEAA64B}"/>
+                </a:ext>
+              </a:extLst>
+            </p:cNvPr>
+            <p:cNvCxnSpPr>
+              <a:cxnSpLocks/>
+            </p:cNvCxnSpPr>
+            <p:nvPr/>
+          </p:nvCxnSpPr>
+          <p:spPr>
+            <a:xfrm>
+              <a:off x="1835788" y="4363537"/>
+              <a:ext cx="5289960" cy="1"/>
+            </a:xfrm>
+            <a:prstGeom prst="line">
+              <a:avLst/>
+            </a:prstGeom>
+            <a:ln>
+              <a:prstDash val="lgDashDotDot"/>
+            </a:ln>
+          </p:spPr>
+          <p:style>
+            <a:lnRef idx="1">
+              <a:schemeClr val="accent1"/>
+            </a:lnRef>
+            <a:fillRef idx="0">
+              <a:schemeClr val="accent1"/>
+            </a:fillRef>
+            <a:effectRef idx="0">
+              <a:schemeClr val="accent1"/>
+            </a:effectRef>
+            <a:fontRef idx="minor">
+              <a:schemeClr val="tx1"/>
+            </a:fontRef>
+          </p:style>
+        </p:cxnSp>
+        <p:cxnSp>
+          <p:nvCxnSpPr>
+            <p:cNvPr id="22" name="Straight Connector 21">
+              <a:extLst>
+                <a:ext uri="{FF2B5EF4-FFF2-40B4-BE49-F238E27FC236}">
+                  <a16:creationId xmlns:a16="http://schemas.microsoft.com/office/drawing/2014/main" id="{07E921A9-0C08-419A-9E43-3526E046626B}"/>
+                </a:ext>
+              </a:extLst>
+            </p:cNvPr>
+            <p:cNvCxnSpPr>
+              <a:cxnSpLocks/>
+            </p:cNvCxnSpPr>
+            <p:nvPr/>
+          </p:nvCxnSpPr>
+          <p:spPr>
+            <a:xfrm flipV="1">
+              <a:off x="1835788" y="5203632"/>
+              <a:ext cx="5289960" cy="1"/>
+            </a:xfrm>
+            <a:prstGeom prst="line">
+              <a:avLst/>
+            </a:prstGeom>
+            <a:ln>
+              <a:prstDash val="lgDashDotDot"/>
+            </a:ln>
+          </p:spPr>
+          <p:style>
+            <a:lnRef idx="1">
+              <a:schemeClr val="accent1"/>
+            </a:lnRef>
+            <a:fillRef idx="0">
+              <a:schemeClr val="accent1"/>
+            </a:fillRef>
+            <a:effectRef idx="0">
+              <a:schemeClr val="accent1"/>
+            </a:effectRef>
+            <a:fontRef idx="minor">
+              <a:schemeClr val="tx1"/>
+            </a:fontRef>
+          </p:style>
+        </p:cxnSp>
+        <p:cxnSp>
+          <p:nvCxnSpPr>
+            <p:cNvPr id="26" name="Straight Connector 25">
+              <a:extLst>
+                <a:ext uri="{FF2B5EF4-FFF2-40B4-BE49-F238E27FC236}">
+                  <a16:creationId xmlns:a16="http://schemas.microsoft.com/office/drawing/2014/main" id="{3BFEDEAE-32FF-4FC8-A130-30D125E4294A}"/>
+                </a:ext>
+              </a:extLst>
+            </p:cNvPr>
+            <p:cNvCxnSpPr>
+              <a:cxnSpLocks/>
+            </p:cNvCxnSpPr>
+            <p:nvPr/>
+          </p:nvCxnSpPr>
+          <p:spPr>
+            <a:xfrm flipV="1">
+              <a:off x="1810622" y="4777054"/>
+              <a:ext cx="5289960" cy="1"/>
+            </a:xfrm>
+            <a:prstGeom prst="line">
+              <a:avLst/>
+            </a:prstGeom>
+            <a:ln>
+              <a:prstDash val="lgDashDotDot"/>
+            </a:ln>
+          </p:spPr>
+          <p:style>
+            <a:lnRef idx="1">
+              <a:schemeClr val="accent1"/>
+            </a:lnRef>
+            <a:fillRef idx="0">
+              <a:schemeClr val="accent1"/>
+            </a:fillRef>
+            <a:effectRef idx="0">
+              <a:schemeClr val="accent1"/>
+            </a:effectRef>
+            <a:fontRef idx="minor">
+              <a:schemeClr val="tx1"/>
+            </a:fontRef>
+          </p:style>
+        </p:cxnSp>
+        <p:sp>
+          <p:nvSpPr>
+            <p:cNvPr id="27" name="TextBox 26">
+              <a:extLst>
+                <a:ext uri="{FF2B5EF4-FFF2-40B4-BE49-F238E27FC236}">
+                  <a16:creationId xmlns:a16="http://schemas.microsoft.com/office/drawing/2014/main" id="{68130FF9-79BF-472B-90AA-1B351D2CDAEC}"/>
+                </a:ext>
+              </a:extLst>
+            </p:cNvPr>
+            <p:cNvSpPr txBox="1"/>
+            <p:nvPr/>
+          </p:nvSpPr>
+          <p:spPr>
+            <a:xfrm>
+              <a:off x="1886745" y="2738404"/>
+              <a:ext cx="6671697" cy="991548"/>
+            </a:xfrm>
+            <a:prstGeom prst="rect">
+              <a:avLst/>
+            </a:prstGeom>
+            <a:noFill/>
+          </p:spPr>
+          <p:txBody>
+            <a:bodyPr wrap="square" rtlCol="0">
+              <a:spAutoFit/>
+            </a:bodyPr>
+            <a:lstStyle/>
+            <a:p>
+              <a:r>
+                <a:rPr lang="en-US" dirty="0">
+                  <a:solidFill>
+                    <a:srgbClr val="0070C0"/>
+                  </a:solidFill>
+                  <a:latin typeface="Centaur" panose="02030504050205020304" pitchFamily="18" charset="0"/>
+                </a:rPr>
+                <a:t>Confirmed Cases </a:t>
+              </a:r>
+              <a:r>
+                <a:rPr lang="en-US" dirty="0">
+                  <a:latin typeface="Centaur" panose="02030504050205020304" pitchFamily="18" charset="0"/>
+                </a:rPr>
+                <a:t>=</a:t>
+              </a:r>
+              <a:r>
+                <a:rPr lang="en-US" dirty="0">
+                  <a:solidFill>
+                    <a:srgbClr val="0070C0"/>
+                  </a:solidFill>
+                  <a:latin typeface="Centaur" panose="02030504050205020304" pitchFamily="18" charset="0"/>
+                </a:rPr>
+                <a:t>  </a:t>
+              </a:r>
+              <a:r>
+                <a:rPr lang="en-US" dirty="0">
+                  <a:solidFill>
+                    <a:srgbClr val="FF0000"/>
+                  </a:solidFill>
+                  <a:latin typeface="Centaur" panose="02030504050205020304" pitchFamily="18" charset="0"/>
+                </a:rPr>
+                <a:t>Active Cases </a:t>
+              </a:r>
+              <a:r>
+                <a:rPr lang="en-US" dirty="0">
+                  <a:latin typeface="Centaur" panose="02030504050205020304" pitchFamily="18" charset="0"/>
+                </a:rPr>
+                <a:t>+</a:t>
+              </a:r>
+              <a:r>
+                <a:rPr lang="en-US" dirty="0">
+                  <a:solidFill>
+                    <a:srgbClr val="0070C0"/>
+                  </a:solidFill>
+                  <a:latin typeface="Centaur" panose="02030504050205020304" pitchFamily="18" charset="0"/>
+                </a:rPr>
+                <a:t>  </a:t>
+              </a:r>
+              <a:r>
+                <a:rPr lang="en-US" dirty="0">
+                  <a:solidFill>
+                    <a:srgbClr val="00B050"/>
+                  </a:solidFill>
+                  <a:latin typeface="Centaur" panose="02030504050205020304" pitchFamily="18" charset="0"/>
+                </a:rPr>
+                <a:t>Recovered Cases  </a:t>
+              </a:r>
+              <a:r>
+                <a:rPr lang="en-US" dirty="0">
+                  <a:latin typeface="Centaur" panose="02030504050205020304" pitchFamily="18" charset="0"/>
+                </a:rPr>
+                <a:t>+</a:t>
+              </a:r>
+              <a:r>
+                <a:rPr lang="en-US" dirty="0">
+                  <a:solidFill>
+                    <a:srgbClr val="0070C0"/>
+                  </a:solidFill>
+                  <a:latin typeface="Centaur" panose="02030504050205020304" pitchFamily="18" charset="0"/>
+                </a:rPr>
+                <a:t>     </a:t>
+              </a:r>
+              <a:r>
+                <a:rPr lang="en-US" dirty="0">
+                  <a:solidFill>
+                    <a:srgbClr val="FFC000"/>
+                  </a:solidFill>
+                  <a:latin typeface="Centaur" panose="02030504050205020304" pitchFamily="18" charset="0"/>
+                </a:rPr>
+                <a:t>Deaths</a:t>
+              </a:r>
+            </a:p>
+            <a:p>
+              <a:r>
+                <a:rPr lang="en-US" dirty="0">
+                  <a:solidFill>
+                    <a:srgbClr val="FFC000"/>
+                  </a:solidFill>
+                  <a:latin typeface="Centaur" panose="02030504050205020304" pitchFamily="18" charset="0"/>
+                </a:rPr>
+                <a:t>     </a:t>
+              </a:r>
+              <a:r>
+                <a:rPr lang="en-US" dirty="0">
+                  <a:solidFill>
+                    <a:srgbClr val="0070C0"/>
+                  </a:solidFill>
+                  <a:latin typeface="Centaur" panose="02030504050205020304" pitchFamily="18" charset="0"/>
+                </a:rPr>
+                <a:t>0.502e8 </a:t>
+              </a:r>
+              <a:r>
+                <a:rPr lang="en-US" dirty="0">
+                  <a:solidFill>
+                    <a:srgbClr val="FFC000"/>
+                  </a:solidFill>
+                  <a:latin typeface="Centaur" panose="02030504050205020304" pitchFamily="18" charset="0"/>
+                </a:rPr>
+                <a:t>        </a:t>
+              </a:r>
+              <a:r>
+                <a:rPr lang="en-US" dirty="0">
+                  <a:latin typeface="Centaur" panose="02030504050205020304" pitchFamily="18" charset="0"/>
+                </a:rPr>
+                <a:t>=     </a:t>
+              </a:r>
+              <a:r>
+                <a:rPr lang="en-US" dirty="0">
+                  <a:solidFill>
+                    <a:srgbClr val="FF0000"/>
+                  </a:solidFill>
+                  <a:latin typeface="Centaur" panose="02030504050205020304" pitchFamily="18" charset="0"/>
+                </a:rPr>
+                <a:t>0.16e8</a:t>
+              </a:r>
+              <a:r>
+                <a:rPr lang="en-US" dirty="0">
+                  <a:latin typeface="Centaur" panose="02030504050205020304" pitchFamily="18" charset="0"/>
+                </a:rPr>
+                <a:t>      +       </a:t>
+              </a:r>
+              <a:r>
+                <a:rPr lang="en-US" dirty="0">
+                  <a:solidFill>
+                    <a:srgbClr val="00B050"/>
+                  </a:solidFill>
+                  <a:latin typeface="Centaur" panose="02030504050205020304" pitchFamily="18" charset="0"/>
+                </a:rPr>
+                <a:t>0.33e8 </a:t>
+              </a:r>
+              <a:r>
+                <a:rPr lang="en-US" dirty="0">
+                  <a:latin typeface="Centaur" panose="02030504050205020304" pitchFamily="18" charset="0"/>
+                </a:rPr>
+                <a:t>          +</a:t>
+              </a:r>
+              <a:r>
+                <a:rPr lang="en-US" dirty="0">
+                  <a:solidFill>
+                    <a:srgbClr val="FFC000"/>
+                  </a:solidFill>
+                  <a:latin typeface="Centaur" panose="02030504050205020304" pitchFamily="18" charset="0"/>
+                </a:rPr>
+                <a:t>    0.012e8</a:t>
+              </a:r>
+            </a:p>
+            <a:p>
+              <a:r>
+                <a:rPr lang="en-US" dirty="0">
+                  <a:solidFill>
+                    <a:srgbClr val="0070C0"/>
+                  </a:solidFill>
+                  <a:latin typeface="Centaur" panose="02030504050205020304" pitchFamily="18" charset="0"/>
+                </a:rPr>
+                <a:t>      50.3 M </a:t>
+              </a:r>
+              <a:r>
+                <a:rPr lang="en-US" dirty="0">
+                  <a:solidFill>
+                    <a:srgbClr val="FFC000"/>
+                  </a:solidFill>
+                  <a:latin typeface="Centaur" panose="02030504050205020304" pitchFamily="18" charset="0"/>
+                </a:rPr>
+                <a:t>        </a:t>
+              </a:r>
+              <a:r>
+                <a:rPr lang="en-US" dirty="0">
+                  <a:latin typeface="Centaur" panose="02030504050205020304" pitchFamily="18" charset="0"/>
+                </a:rPr>
+                <a:t>=     </a:t>
+              </a:r>
+              <a:r>
+                <a:rPr lang="en-US" dirty="0">
+                  <a:solidFill>
+                    <a:srgbClr val="FF0000"/>
+                  </a:solidFill>
+                  <a:latin typeface="Centaur" panose="02030504050205020304" pitchFamily="18" charset="0"/>
+                </a:rPr>
+                <a:t>16 M</a:t>
+              </a:r>
+              <a:r>
+                <a:rPr lang="en-US" dirty="0">
+                  <a:latin typeface="Centaur" panose="02030504050205020304" pitchFamily="18" charset="0"/>
+                </a:rPr>
+                <a:t>        +        </a:t>
+              </a:r>
+              <a:r>
+                <a:rPr lang="en-US" dirty="0">
+                  <a:solidFill>
+                    <a:srgbClr val="00B050"/>
+                  </a:solidFill>
+                  <a:latin typeface="Centaur" panose="02030504050205020304" pitchFamily="18" charset="0"/>
+                </a:rPr>
+                <a:t>33 M </a:t>
+              </a:r>
+              <a:r>
+                <a:rPr lang="en-US" dirty="0">
+                  <a:latin typeface="Centaur" panose="02030504050205020304" pitchFamily="18" charset="0"/>
+                </a:rPr>
+                <a:t>           +</a:t>
+              </a:r>
+              <a:r>
+                <a:rPr lang="en-US" dirty="0">
+                  <a:solidFill>
+                    <a:srgbClr val="FFC000"/>
+                  </a:solidFill>
+                  <a:latin typeface="Centaur" panose="02030504050205020304" pitchFamily="18" charset="0"/>
+                </a:rPr>
+                <a:t>    1.3 M</a:t>
+              </a:r>
+            </a:p>
+          </p:txBody>
+        </p:sp>
+        <p:pic>
+          <p:nvPicPr>
+            <p:cNvPr id="29" name="Picture 28">
+              <a:extLst>
+                <a:ext uri="{FF2B5EF4-FFF2-40B4-BE49-F238E27FC236}">
+                  <a16:creationId xmlns:a16="http://schemas.microsoft.com/office/drawing/2014/main" id="{60186337-0B7E-4095-B788-25F80F4B1BB2}"/>
+                </a:ext>
+              </a:extLst>
+            </p:cNvPr>
+            <p:cNvPicPr>
+              <a:picLocks noChangeAspect="1"/>
+            </p:cNvPicPr>
+            <p:nvPr/>
+          </p:nvPicPr>
+          <p:blipFill>
+            <a:blip r:embed="rId3"/>
+            <a:stretch>
+              <a:fillRect/>
+            </a:stretch>
+          </p:blipFill>
+          <p:spPr>
+            <a:xfrm>
+              <a:off x="10477849" y="3013733"/>
+              <a:ext cx="1571538" cy="2464680"/>
+            </a:xfrm>
+            <a:prstGeom prst="ellipse">
+              <a:avLst/>
+            </a:prstGeom>
+            <a:ln w="6350" cap="rnd">
+              <a:solidFill>
+                <a:srgbClr val="7030A0"/>
+              </a:solidFill>
+              <a:prstDash val="lgDashDotDot"/>
+            </a:ln>
+            <a:effectLst>
+              <a:outerShdw blurRad="381000" dist="292100" dir="5400000" sx="-80000" sy="-18000" rotWithShape="0">
+                <a:srgbClr val="000000">
+                  <a:alpha val="22000"/>
+                </a:srgbClr>
+              </a:outerShdw>
+            </a:effectLst>
+            <a:scene3d>
+              <a:camera prst="orthographicFront"/>
+              <a:lightRig rig="contrasting" dir="t">
+                <a:rot lat="0" lon="0" rev="3000000"/>
+              </a:lightRig>
+            </a:scene3d>
+            <a:sp3d contourW="7620">
+              <a:bevelT w="95250" h="31750"/>
+              <a:contourClr>
+                <a:srgbClr val="333333"/>
+              </a:contourClr>
+            </a:sp3d>
+          </p:spPr>
+        </p:pic>
+        <p:sp>
+          <p:nvSpPr>
+            <p:cNvPr id="30" name="Oval 29">
+              <a:extLst>
+                <a:ext uri="{FF2B5EF4-FFF2-40B4-BE49-F238E27FC236}">
+                  <a16:creationId xmlns:a16="http://schemas.microsoft.com/office/drawing/2014/main" id="{CDD4D6B3-6C45-4997-A67A-439A53D82EC1}"/>
+                </a:ext>
+              </a:extLst>
+            </p:cNvPr>
+            <p:cNvSpPr/>
+            <p:nvPr/>
+          </p:nvSpPr>
+          <p:spPr>
+            <a:xfrm>
+              <a:off x="7550092" y="4202884"/>
+              <a:ext cx="603301" cy="1000743"/>
+            </a:xfrm>
+            <a:prstGeom prst="ellipse">
+              <a:avLst/>
+            </a:prstGeom>
+            <a:noFill/>
+            <a:ln>
+              <a:prstDash val="dash"/>
+            </a:ln>
+          </p:spPr>
+          <p:style>
+            <a:lnRef idx="2">
+              <a:schemeClr val="accent1">
+                <a:shade val="50000"/>
+              </a:schemeClr>
+            </a:lnRef>
+            <a:fillRef idx="1">
+              <a:schemeClr val="accent1"/>
+            </a:fillRef>
+            <a:effectRef idx="0">
+              <a:schemeClr val="accent1"/>
+            </a:effectRef>
+            <a:fontRef idx="minor">
+              <a:schemeClr val="lt1"/>
+            </a:fontRef>
+          </p:style>
+          <p:txBody>
+            <a:bodyPr rtlCol="0" anchor="ctr"/>
+            <a:lstStyle/>
+            <a:p>
+              <a:pPr algn="ctr"/>
+              <a:endParaRPr lang="en-US" dirty="0"/>
+            </a:p>
+          </p:txBody>
+        </p:sp>
+        <p:sp>
+          <p:nvSpPr>
+            <p:cNvPr id="31" name="Arrow: Notched Right 30">
+              <a:extLst>
+                <a:ext uri="{FF2B5EF4-FFF2-40B4-BE49-F238E27FC236}">
+                  <a16:creationId xmlns:a16="http://schemas.microsoft.com/office/drawing/2014/main" id="{B67CAE84-A1A0-4748-8724-60EEE59AA9CB}"/>
+                </a:ext>
+              </a:extLst>
+            </p:cNvPr>
+            <p:cNvSpPr/>
+            <p:nvPr/>
+          </p:nvSpPr>
+          <p:spPr>
+            <a:xfrm>
+              <a:off x="8676665" y="4703255"/>
+              <a:ext cx="1530302" cy="426573"/>
+            </a:xfrm>
+            <a:prstGeom prst="notchedRightArrow">
+              <a:avLst/>
+            </a:prstGeom>
+            <a:solidFill>
+              <a:schemeClr val="accent2">
+                <a:lumMod val="20000"/>
+                <a:lumOff val="80000"/>
+              </a:schemeClr>
+            </a:solidFill>
+            <a:ln>
+              <a:prstDash val="sysDash"/>
+            </a:ln>
+          </p:spPr>
+          <p:style>
+            <a:lnRef idx="2">
+              <a:schemeClr val="accent1">
+                <a:shade val="50000"/>
+              </a:schemeClr>
+            </a:lnRef>
+            <a:fillRef idx="1">
+              <a:schemeClr val="accent1"/>
+            </a:fillRef>
+            <a:effectRef idx="0">
+              <a:schemeClr val="accent1"/>
+            </a:effectRef>
+            <a:fontRef idx="minor">
+              <a:schemeClr val="lt1"/>
+            </a:fontRef>
+          </p:style>
+          <p:txBody>
+            <a:bodyPr rtlCol="0" anchor="ctr"/>
+            <a:lstStyle/>
+            <a:p>
+              <a:pPr algn="ctr"/>
+              <a:endParaRPr lang="en-US" dirty="0">
+                <a:noFill/>
+              </a:endParaRPr>
+            </a:p>
+          </p:txBody>
+        </p:sp>
+      </p:grpSp>
+      <p:sp>
+        <p:nvSpPr>
+          <p:cNvPr id="16" name="TextBox 15">
+            <a:extLst>
+              <a:ext uri="{FF2B5EF4-FFF2-40B4-BE49-F238E27FC236}">
+                <a16:creationId xmlns:a16="http://schemas.microsoft.com/office/drawing/2014/main" id="{0FA7E876-9D38-4441-A1D1-04D6F2EE377E}"/>
+              </a:ext>
+            </a:extLst>
+          </p:cNvPr>
+          <p:cNvSpPr txBox="1"/>
+          <p:nvPr/>
+        </p:nvSpPr>
         <p:spPr>
           <a:xfrm>
-            <a:off x="452807" y="827074"/>
-            <a:ext cx="11286386" cy="5643192"/>
-          </a:xfrm>
-          <a:prstGeom prst="rect">
-            <a:avLst/>
-          </a:prstGeom>
-        </p:spPr>
-      </p:pic>
-      <p:cxnSp>
-        <p:nvCxnSpPr>
-          <p:cNvPr id="12" name="Straight Connector 11">
-            <a:extLst>
-              <a:ext uri="{FF2B5EF4-FFF2-40B4-BE49-F238E27FC236}">
-                <a16:creationId xmlns:a16="http://schemas.microsoft.com/office/drawing/2014/main" id="{28183E56-8C91-4D07-B069-DCF6777EC2A8}"/>
-              </a:ext>
-            </a:extLst>
-          </p:cNvPr>
-          <p:cNvCxnSpPr>
-            <a:cxnSpLocks/>
-          </p:cNvCxnSpPr>
-          <p:nvPr/>
-        </p:nvCxnSpPr>
-        <p:spPr>
-          <a:xfrm>
-            <a:off x="7117359" y="4373026"/>
-            <a:ext cx="0" cy="1377086"/>
-          </a:xfrm>
-          <a:prstGeom prst="line">
-            <a:avLst/>
-          </a:prstGeom>
-          <a:ln>
-            <a:prstDash val="lgDashDotDot"/>
-          </a:ln>
-        </p:spPr>
-        <p:style>
-          <a:lnRef idx="1">
-            <a:schemeClr val="accent1"/>
-          </a:lnRef>
-          <a:fillRef idx="0">
-            <a:schemeClr val="accent1"/>
-          </a:fillRef>
-          <a:effectRef idx="0">
-            <a:schemeClr val="accent1"/>
-          </a:effectRef>
-          <a:fontRef idx="minor">
-            <a:schemeClr val="tx1"/>
-          </a:fontRef>
-        </p:style>
-      </p:cxnSp>
-      <p:cxnSp>
-        <p:nvCxnSpPr>
-          <p:cNvPr id="14" name="Straight Connector 13">
-            <a:extLst>
-              <a:ext uri="{FF2B5EF4-FFF2-40B4-BE49-F238E27FC236}">
-                <a16:creationId xmlns:a16="http://schemas.microsoft.com/office/drawing/2014/main" id="{1ADFAFD7-F17B-45D1-AE2D-43C20CEAA64B}"/>
-              </a:ext>
-            </a:extLst>
-          </p:cNvPr>
-          <p:cNvCxnSpPr>
-            <a:cxnSpLocks/>
-          </p:cNvCxnSpPr>
-          <p:nvPr/>
-        </p:nvCxnSpPr>
-        <p:spPr>
-          <a:xfrm>
-            <a:off x="1835788" y="4363537"/>
-            <a:ext cx="5289960" cy="1"/>
-          </a:xfrm>
-          <a:prstGeom prst="line">
-            <a:avLst/>
-          </a:prstGeom>
-          <a:ln>
-            <a:prstDash val="lgDashDotDot"/>
-          </a:ln>
-        </p:spPr>
-        <p:style>
-          <a:lnRef idx="1">
-            <a:schemeClr val="accent1"/>
-          </a:lnRef>
-          <a:fillRef idx="0">
-            <a:schemeClr val="accent1"/>
-          </a:fillRef>
-          <a:effectRef idx="0">
-            <a:schemeClr val="accent1"/>
-          </a:effectRef>
-          <a:fontRef idx="minor">
-            <a:schemeClr val="tx1"/>
-          </a:fontRef>
-        </p:style>
-      </p:cxnSp>
-      <p:cxnSp>
-        <p:nvCxnSpPr>
-          <p:cNvPr id="22" name="Straight Connector 21">
-            <a:extLst>
-              <a:ext uri="{FF2B5EF4-FFF2-40B4-BE49-F238E27FC236}">
-                <a16:creationId xmlns:a16="http://schemas.microsoft.com/office/drawing/2014/main" id="{07E921A9-0C08-419A-9E43-3526E046626B}"/>
-              </a:ext>
-            </a:extLst>
-          </p:cNvPr>
-          <p:cNvCxnSpPr>
-            <a:cxnSpLocks/>
-          </p:cNvCxnSpPr>
-          <p:nvPr/>
-        </p:nvCxnSpPr>
-        <p:spPr>
-          <a:xfrm flipV="1">
-            <a:off x="1835788" y="5203632"/>
-            <a:ext cx="5289960" cy="1"/>
-          </a:xfrm>
-          <a:prstGeom prst="line">
-            <a:avLst/>
-          </a:prstGeom>
-          <a:ln>
-            <a:prstDash val="lgDashDotDot"/>
-          </a:ln>
-        </p:spPr>
-        <p:style>
-          <a:lnRef idx="1">
-            <a:schemeClr val="accent1"/>
-          </a:lnRef>
-          <a:fillRef idx="0">
-            <a:schemeClr val="accent1"/>
-          </a:fillRef>
-          <a:effectRef idx="0">
-            <a:schemeClr val="accent1"/>
-          </a:effectRef>
-          <a:fontRef idx="minor">
-            <a:schemeClr val="tx1"/>
-          </a:fontRef>
-        </p:style>
-      </p:cxnSp>
-      <p:cxnSp>
-        <p:nvCxnSpPr>
-          <p:cNvPr id="26" name="Straight Connector 25">
-            <a:extLst>
-              <a:ext uri="{FF2B5EF4-FFF2-40B4-BE49-F238E27FC236}">
-                <a16:creationId xmlns:a16="http://schemas.microsoft.com/office/drawing/2014/main" id="{3BFEDEAE-32FF-4FC8-A130-30D125E4294A}"/>
-              </a:ext>
-            </a:extLst>
-          </p:cNvPr>
-          <p:cNvCxnSpPr>
-            <a:cxnSpLocks/>
-          </p:cNvCxnSpPr>
-          <p:nvPr/>
-        </p:nvCxnSpPr>
-        <p:spPr>
-          <a:xfrm flipV="1">
-            <a:off x="1810622" y="4777054"/>
-            <a:ext cx="5289960" cy="1"/>
-          </a:xfrm>
-          <a:prstGeom prst="line">
-            <a:avLst/>
-          </a:prstGeom>
-          <a:ln>
-            <a:prstDash val="lgDashDotDot"/>
-          </a:ln>
-        </p:spPr>
-        <p:style>
-          <a:lnRef idx="1">
-            <a:schemeClr val="accent1"/>
-          </a:lnRef>
-          <a:fillRef idx="0">
-            <a:schemeClr val="accent1"/>
-          </a:fillRef>
-          <a:effectRef idx="0">
-            <a:schemeClr val="accent1"/>
-          </a:effectRef>
-          <a:fontRef idx="minor">
-            <a:schemeClr val="tx1"/>
-          </a:fontRef>
-        </p:style>
-      </p:cxnSp>
-      <p:sp>
-        <p:nvSpPr>
-          <p:cNvPr id="27" name="TextBox 26">
-            <a:extLst>
-              <a:ext uri="{FF2B5EF4-FFF2-40B4-BE49-F238E27FC236}">
-                <a16:creationId xmlns:a16="http://schemas.microsoft.com/office/drawing/2014/main" id="{68130FF9-79BF-472B-90AA-1B351D2CDAEC}"/>
-              </a:ext>
-            </a:extLst>
-          </p:cNvPr>
-          <p:cNvSpPr txBox="1"/>
-          <p:nvPr/>
-        </p:nvSpPr>
-        <p:spPr>
-          <a:xfrm>
-            <a:off x="2004968" y="2792631"/>
-            <a:ext cx="5922625" cy="923330"/>
+            <a:off x="967098" y="5921864"/>
+            <a:ext cx="10601320" cy="461665"/>
           </a:xfrm>
           <a:prstGeom prst="rect">
             <a:avLst/>
@@ -12075,387 +13258,16 @@
           <a:lstStyle/>
           <a:p>
             <a:r>
-              <a:rPr lang="en-US" dirty="0">
+              <a:rPr lang="en-US" sz="1200" b="0" i="0" dirty="0">
                 <a:solidFill>
-                  <a:srgbClr val="0070C0"/>
+                  <a:srgbClr val="000000"/>
                 </a:solidFill>
-                <a:latin typeface="Centaur" panose="02030504050205020304" pitchFamily="18" charset="0"/>
+                <a:effectLst/>
+                <a:latin typeface="Helvetica Neue"/>
               </a:rPr>
-              <a:t>Confirmed Cases </a:t>
-            </a:r>
-            <a:r>
-              <a:rPr lang="en-US" dirty="0">
-                <a:latin typeface="Centaur" panose="02030504050205020304" pitchFamily="18" charset="0"/>
-              </a:rPr>
-              <a:t>=</a:t>
-            </a:r>
-            <a:r>
-              <a:rPr lang="en-US" dirty="0">
-                <a:solidFill>
-                  <a:srgbClr val="0070C0"/>
-                </a:solidFill>
-                <a:latin typeface="Centaur" panose="02030504050205020304" pitchFamily="18" charset="0"/>
-              </a:rPr>
-              <a:t>  </a:t>
-            </a:r>
-            <a:r>
-              <a:rPr lang="en-US" dirty="0">
-                <a:solidFill>
-                  <a:srgbClr val="FF0000"/>
-                </a:solidFill>
-                <a:latin typeface="Centaur" panose="02030504050205020304" pitchFamily="18" charset="0"/>
-              </a:rPr>
-              <a:t>Active Cases </a:t>
-            </a:r>
-            <a:r>
-              <a:rPr lang="en-US" dirty="0">
-                <a:latin typeface="Centaur" panose="02030504050205020304" pitchFamily="18" charset="0"/>
-              </a:rPr>
-              <a:t>+</a:t>
-            </a:r>
-            <a:r>
-              <a:rPr lang="en-US" dirty="0">
-                <a:solidFill>
-                  <a:srgbClr val="0070C0"/>
-                </a:solidFill>
-                <a:latin typeface="Centaur" panose="02030504050205020304" pitchFamily="18" charset="0"/>
-              </a:rPr>
-              <a:t>  </a:t>
-            </a:r>
-            <a:r>
-              <a:rPr lang="en-US" dirty="0">
-                <a:solidFill>
-                  <a:srgbClr val="00B050"/>
-                </a:solidFill>
-                <a:latin typeface="Centaur" panose="02030504050205020304" pitchFamily="18" charset="0"/>
-              </a:rPr>
-              <a:t>Recovered Cases  </a:t>
-            </a:r>
-            <a:r>
-              <a:rPr lang="en-US" dirty="0">
-                <a:latin typeface="Centaur" panose="02030504050205020304" pitchFamily="18" charset="0"/>
-              </a:rPr>
-              <a:t>+</a:t>
-            </a:r>
-            <a:r>
-              <a:rPr lang="en-US" dirty="0">
-                <a:solidFill>
-                  <a:srgbClr val="0070C0"/>
-                </a:solidFill>
-                <a:latin typeface="Centaur" panose="02030504050205020304" pitchFamily="18" charset="0"/>
-              </a:rPr>
-              <a:t>     </a:t>
-            </a:r>
-            <a:r>
-              <a:rPr lang="en-US" dirty="0">
-                <a:solidFill>
-                  <a:srgbClr val="FFC000"/>
-                </a:solidFill>
-                <a:latin typeface="Centaur" panose="02030504050205020304" pitchFamily="18" charset="0"/>
-              </a:rPr>
-              <a:t>Deaths</a:t>
-            </a:r>
-          </a:p>
-          <a:p>
-            <a:r>
-              <a:rPr lang="en-US" dirty="0">
-                <a:solidFill>
-                  <a:srgbClr val="FFC000"/>
-                </a:solidFill>
-                <a:latin typeface="Centaur" panose="02030504050205020304" pitchFamily="18" charset="0"/>
-              </a:rPr>
-              <a:t>     </a:t>
-            </a:r>
-            <a:r>
-              <a:rPr lang="en-US" dirty="0">
-                <a:solidFill>
-                  <a:srgbClr val="0070C0"/>
-                </a:solidFill>
-                <a:latin typeface="Centaur" panose="02030504050205020304" pitchFamily="18" charset="0"/>
-              </a:rPr>
-              <a:t>0.502e8 </a:t>
-            </a:r>
-            <a:r>
-              <a:rPr lang="en-US" dirty="0">
-                <a:solidFill>
-                  <a:srgbClr val="FFC000"/>
-                </a:solidFill>
-                <a:latin typeface="Centaur" panose="02030504050205020304" pitchFamily="18" charset="0"/>
-              </a:rPr>
-              <a:t>        </a:t>
-            </a:r>
-            <a:r>
-              <a:rPr lang="en-US" dirty="0">
-                <a:latin typeface="Centaur" panose="02030504050205020304" pitchFamily="18" charset="0"/>
-              </a:rPr>
-              <a:t>=     </a:t>
-            </a:r>
-            <a:r>
-              <a:rPr lang="en-US" dirty="0">
-                <a:solidFill>
-                  <a:srgbClr val="FF0000"/>
-                </a:solidFill>
-                <a:latin typeface="Centaur" panose="02030504050205020304" pitchFamily="18" charset="0"/>
-              </a:rPr>
-              <a:t>0.16e8</a:t>
-            </a:r>
-            <a:r>
-              <a:rPr lang="en-US" dirty="0">
-                <a:latin typeface="Centaur" panose="02030504050205020304" pitchFamily="18" charset="0"/>
-              </a:rPr>
-              <a:t>      +       </a:t>
-            </a:r>
-            <a:r>
-              <a:rPr lang="en-US" dirty="0">
-                <a:solidFill>
-                  <a:srgbClr val="00B050"/>
-                </a:solidFill>
-                <a:latin typeface="Centaur" panose="02030504050205020304" pitchFamily="18" charset="0"/>
-              </a:rPr>
-              <a:t>0.33e8 </a:t>
-            </a:r>
-            <a:r>
-              <a:rPr lang="en-US" dirty="0">
-                <a:latin typeface="Centaur" panose="02030504050205020304" pitchFamily="18" charset="0"/>
-              </a:rPr>
-              <a:t>          +</a:t>
-            </a:r>
-            <a:r>
-              <a:rPr lang="en-US" dirty="0">
-                <a:solidFill>
-                  <a:srgbClr val="FFC000"/>
-                </a:solidFill>
-                <a:latin typeface="Centaur" panose="02030504050205020304" pitchFamily="18" charset="0"/>
-              </a:rPr>
-              <a:t>    0.012e8</a:t>
-            </a:r>
-          </a:p>
-          <a:p>
-            <a:r>
-              <a:rPr lang="en-US" dirty="0">
-                <a:solidFill>
-                  <a:srgbClr val="0070C0"/>
-                </a:solidFill>
-                <a:latin typeface="Centaur" panose="02030504050205020304" pitchFamily="18" charset="0"/>
-              </a:rPr>
-              <a:t>      50.3 M </a:t>
-            </a:r>
-            <a:r>
-              <a:rPr lang="en-US" dirty="0">
-                <a:solidFill>
-                  <a:srgbClr val="FFC000"/>
-                </a:solidFill>
-                <a:latin typeface="Centaur" panose="02030504050205020304" pitchFamily="18" charset="0"/>
-              </a:rPr>
-              <a:t>        </a:t>
-            </a:r>
-            <a:r>
-              <a:rPr lang="en-US" dirty="0">
-                <a:latin typeface="Centaur" panose="02030504050205020304" pitchFamily="18" charset="0"/>
-              </a:rPr>
-              <a:t>=     </a:t>
-            </a:r>
-            <a:r>
-              <a:rPr lang="en-US" dirty="0">
-                <a:solidFill>
-                  <a:srgbClr val="FF0000"/>
-                </a:solidFill>
-                <a:latin typeface="Centaur" panose="02030504050205020304" pitchFamily="18" charset="0"/>
-              </a:rPr>
-              <a:t>16 M</a:t>
-            </a:r>
-            <a:r>
-              <a:rPr lang="en-US" dirty="0">
-                <a:latin typeface="Centaur" panose="02030504050205020304" pitchFamily="18" charset="0"/>
-              </a:rPr>
-              <a:t>        +        </a:t>
-            </a:r>
-            <a:r>
-              <a:rPr lang="en-US" dirty="0">
-                <a:solidFill>
-                  <a:srgbClr val="00B050"/>
-                </a:solidFill>
-                <a:latin typeface="Centaur" panose="02030504050205020304" pitchFamily="18" charset="0"/>
-              </a:rPr>
-              <a:t>33 M </a:t>
-            </a:r>
-            <a:r>
-              <a:rPr lang="en-US" dirty="0">
-                <a:latin typeface="Centaur" panose="02030504050205020304" pitchFamily="18" charset="0"/>
-              </a:rPr>
-              <a:t>           +</a:t>
-            </a:r>
-            <a:r>
-              <a:rPr lang="en-US" dirty="0">
-                <a:solidFill>
-                  <a:srgbClr val="FFC000"/>
-                </a:solidFill>
-                <a:latin typeface="Centaur" panose="02030504050205020304" pitchFamily="18" charset="0"/>
-              </a:rPr>
-              <a:t>    1.3 M</a:t>
-            </a:r>
-          </a:p>
-        </p:txBody>
-      </p:sp>
-      <p:pic>
-        <p:nvPicPr>
-          <p:cNvPr id="29" name="Picture 28">
-            <a:extLst>
-              <a:ext uri="{FF2B5EF4-FFF2-40B4-BE49-F238E27FC236}">
-                <a16:creationId xmlns:a16="http://schemas.microsoft.com/office/drawing/2014/main" id="{60186337-0B7E-4095-B788-25F80F4B1BB2}"/>
-              </a:ext>
-            </a:extLst>
-          </p:cNvPr>
-          <p:cNvPicPr>
-            <a:picLocks noChangeAspect="1"/>
-          </p:cNvPicPr>
-          <p:nvPr/>
-        </p:nvPicPr>
-        <p:blipFill>
-          <a:blip r:embed="rId3"/>
-          <a:stretch>
-            <a:fillRect/>
-          </a:stretch>
-        </p:blipFill>
-        <p:spPr>
-          <a:xfrm>
-            <a:off x="10477849" y="3013733"/>
-            <a:ext cx="1571538" cy="2464680"/>
-          </a:xfrm>
-          <a:prstGeom prst="ellipse">
-            <a:avLst/>
-          </a:prstGeom>
-          <a:ln w="6350" cap="rnd">
-            <a:solidFill>
-              <a:srgbClr val="7030A0"/>
-            </a:solidFill>
-            <a:prstDash val="lgDashDotDot"/>
-          </a:ln>
-          <a:effectLst>
-            <a:outerShdw blurRad="381000" dist="292100" dir="5400000" sx="-80000" sy="-18000" rotWithShape="0">
-              <a:srgbClr val="000000">
-                <a:alpha val="22000"/>
-              </a:srgbClr>
-            </a:outerShdw>
-          </a:effectLst>
-          <a:scene3d>
-            <a:camera prst="orthographicFront"/>
-            <a:lightRig rig="contrasting" dir="t">
-              <a:rot lat="0" lon="0" rev="3000000"/>
-            </a:lightRig>
-          </a:scene3d>
-          <a:sp3d contourW="7620">
-            <a:bevelT w="95250" h="31750"/>
-            <a:contourClr>
-              <a:srgbClr val="333333"/>
-            </a:contourClr>
-          </a:sp3d>
-        </p:spPr>
-      </p:pic>
-      <p:sp>
-        <p:nvSpPr>
-          <p:cNvPr id="30" name="Oval 29">
-            <a:extLst>
-              <a:ext uri="{FF2B5EF4-FFF2-40B4-BE49-F238E27FC236}">
-                <a16:creationId xmlns:a16="http://schemas.microsoft.com/office/drawing/2014/main" id="{CDD4D6B3-6C45-4997-A67A-439A53D82EC1}"/>
-              </a:ext>
-            </a:extLst>
-          </p:cNvPr>
-          <p:cNvSpPr/>
-          <p:nvPr/>
-        </p:nvSpPr>
-        <p:spPr>
-          <a:xfrm>
-            <a:off x="7550092" y="4202884"/>
-            <a:ext cx="603301" cy="1000743"/>
-          </a:xfrm>
-          <a:prstGeom prst="ellipse">
-            <a:avLst/>
-          </a:prstGeom>
-          <a:noFill/>
-          <a:ln>
-            <a:prstDash val="dash"/>
-          </a:ln>
-        </p:spPr>
-        <p:style>
-          <a:lnRef idx="2">
-            <a:schemeClr val="accent1">
-              <a:shade val="50000"/>
-            </a:schemeClr>
-          </a:lnRef>
-          <a:fillRef idx="1">
-            <a:schemeClr val="accent1"/>
-          </a:fillRef>
-          <a:effectRef idx="0">
-            <a:schemeClr val="accent1"/>
-          </a:effectRef>
-          <a:fontRef idx="minor">
-            <a:schemeClr val="lt1"/>
-          </a:fontRef>
-        </p:style>
-        <p:txBody>
-          <a:bodyPr rtlCol="0" anchor="ctr"/>
-          <a:lstStyle/>
-          <a:p>
-            <a:pPr algn="ctr"/>
-            <a:endParaRPr lang="en-US" dirty="0"/>
-          </a:p>
-        </p:txBody>
-      </p:sp>
-      <p:sp>
-        <p:nvSpPr>
-          <p:cNvPr id="31" name="Arrow: Notched Right 30">
-            <a:extLst>
-              <a:ext uri="{FF2B5EF4-FFF2-40B4-BE49-F238E27FC236}">
-                <a16:creationId xmlns:a16="http://schemas.microsoft.com/office/drawing/2014/main" id="{B67CAE84-A1A0-4748-8724-60EEE59AA9CB}"/>
-              </a:ext>
-            </a:extLst>
-          </p:cNvPr>
-          <p:cNvSpPr/>
-          <p:nvPr/>
-        </p:nvSpPr>
-        <p:spPr>
-          <a:xfrm>
-            <a:off x="8676665" y="4703255"/>
-            <a:ext cx="1530302" cy="426573"/>
-          </a:xfrm>
-          <a:prstGeom prst="notchedRightArrow">
-            <a:avLst/>
-          </a:prstGeom>
-          <a:solidFill>
-            <a:schemeClr val="accent2">
-              <a:lumMod val="20000"/>
-              <a:lumOff val="80000"/>
-            </a:schemeClr>
-          </a:solidFill>
-          <a:ln>
-            <a:prstDash val="sysDash"/>
-          </a:ln>
-        </p:spPr>
-        <p:style>
-          <a:lnRef idx="2">
-            <a:schemeClr val="accent1">
-              <a:shade val="50000"/>
-            </a:schemeClr>
-          </a:lnRef>
-          <a:fillRef idx="1">
-            <a:schemeClr val="accent1"/>
-          </a:fillRef>
-          <a:effectRef idx="0">
-            <a:schemeClr val="accent1"/>
-          </a:effectRef>
-          <a:fontRef idx="minor">
-            <a:schemeClr val="lt1"/>
-          </a:fontRef>
-        </p:style>
-        <p:txBody>
-          <a:bodyPr rtlCol="0" anchor="ctr"/>
-          <a:lstStyle/>
-          <a:p>
-            <a:pPr algn="ctr"/>
-            <a:endParaRPr lang="en-US" dirty="0">
-              <a:noFill/>
-            </a:endParaRPr>
+              <a:t>Note: Effective 12/14/2020, the US discontinued reporting the number of recoveries on a daily bases. This represents a 6.3M adjustment to cumulative recoveries. The US has continued to report "zero" recoveries since.</a:t>
+            </a:r>
+            <a:endParaRPr lang="en-US" sz="1200" dirty="0"/>
           </a:p>
         </p:txBody>
       </p:sp>
@@ -12802,7 +13614,7 @@
                 <a:latin typeface="Arial" panose="020B0604020202020204" pitchFamily="34" charset="0"/>
                 <a:cs typeface="Arial" panose="020B0604020202020204" pitchFamily="34" charset="0"/>
               </a:rPr>
-              <a:t>1.3e6 = 0.012e8</a:t>
+              <a:t>1.3 e6 = 0.012 e8</a:t>
             </a:r>
           </a:p>
         </p:txBody>
@@ -12821,7 +13633,7 @@
 </file>
 
 <file path=ppt/slides/slide7.xml><?xml version="1.0" encoding="utf-8"?>
-<p:sld xmlns:a="http://schemas.openxmlformats.org/drawingml/2006/main" xmlns:r="http://schemas.openxmlformats.org/officeDocument/2006/relationships" xmlns:p="http://schemas.openxmlformats.org/presentationml/2006/main">
+<p:sld xmlns:a="http://schemas.openxmlformats.org/drawingml/2006/main" xmlns:r="http://schemas.openxmlformats.org/officeDocument/2006/relationships" xmlns:p="http://schemas.openxmlformats.org/presentationml/2006/main" show="0">
   <p:cSld>
     <p:spTree>
       <p:nvGrpSpPr>
